--- a/presentations/java8.pptx
+++ b/presentations/java8.pptx
@@ -5,7 +5,7 @@
     <p:sldMasterId id="2147483648" r:id="rId1"/>
   </p:sldMasterIdLst>
   <p:notesMasterIdLst>
-    <p:notesMasterId r:id="rId19"/>
+    <p:notesMasterId r:id="rId28"/>
   </p:notesMasterIdLst>
   <p:sldIdLst>
     <p:sldId id="257" r:id="rId2"/>
@@ -25,6 +25,15 @@
     <p:sldId id="271" r:id="rId16"/>
     <p:sldId id="272" r:id="rId17"/>
     <p:sldId id="273" r:id="rId18"/>
+    <p:sldId id="274" r:id="rId19"/>
+    <p:sldId id="275" r:id="rId20"/>
+    <p:sldId id="276" r:id="rId21"/>
+    <p:sldId id="277" r:id="rId22"/>
+    <p:sldId id="278" r:id="rId23"/>
+    <p:sldId id="279" r:id="rId24"/>
+    <p:sldId id="281" r:id="rId25"/>
+    <p:sldId id="282" r:id="rId26"/>
+    <p:sldId id="280" r:id="rId27"/>
   </p:sldIdLst>
   <p:sldSz cx="12192000" cy="6858000"/>
   <p:notesSz cx="6858000" cy="9144000"/>
@@ -123,6 +132,11 @@
       </a:defRPr>
     </a:lvl9pPr>
   </p:defaultTextStyle>
+  <p:extLst>
+    <p:ext uri="{EFAFB233-063F-42B5-8137-9DF3F51BA10A}">
+      <p15:sldGuideLst xmlns:p15="http://schemas.microsoft.com/office/powerpoint/2012/main"/>
+    </p:ext>
+  </p:extLst>
 </p:presentation>
 </file>
 
@@ -208,7 +222,7 @@
           <a:p>
             <a:fld id="{25E57D6D-5EF6-4943-844F-A5922D5DF3BB}" type="datetimeFigureOut">
               <a:rPr lang="en-US" smtClean="0"/>
-              <a:t>12/13/2015</a:t>
+              <a:t>12/14/2015</a:t>
             </a:fld>
             <a:endParaRPr lang="en-US" dirty="0"/>
           </a:p>
@@ -691,7 +705,7 @@
           <a:p>
             <a:fld id="{054C4ECF-2AC7-4F7A-B04F-44F52158C9D1}" type="datetimeFigureOut">
               <a:rPr lang="en-US" smtClean="0"/>
-              <a:t>12/13/2015</a:t>
+              <a:t>12/14/2015</a:t>
             </a:fld>
             <a:endParaRPr lang="en-US" dirty="0"/>
           </a:p>
@@ -861,7 +875,7 @@
           <a:p>
             <a:fld id="{054C4ECF-2AC7-4F7A-B04F-44F52158C9D1}" type="datetimeFigureOut">
               <a:rPr lang="en-US" smtClean="0"/>
-              <a:t>12/13/2015</a:t>
+              <a:t>12/14/2015</a:t>
             </a:fld>
             <a:endParaRPr lang="en-US" dirty="0"/>
           </a:p>
@@ -1041,7 +1055,7 @@
           <a:p>
             <a:fld id="{054C4ECF-2AC7-4F7A-B04F-44F52158C9D1}" type="datetimeFigureOut">
               <a:rPr lang="en-US" smtClean="0"/>
-              <a:t>12/13/2015</a:t>
+              <a:t>12/14/2015</a:t>
             </a:fld>
             <a:endParaRPr lang="en-US" dirty="0"/>
           </a:p>
@@ -1211,7 +1225,7 @@
           <a:p>
             <a:fld id="{054C4ECF-2AC7-4F7A-B04F-44F52158C9D1}" type="datetimeFigureOut">
               <a:rPr lang="en-US" smtClean="0"/>
-              <a:t>12/13/2015</a:t>
+              <a:t>12/14/2015</a:t>
             </a:fld>
             <a:endParaRPr lang="en-US" dirty="0"/>
           </a:p>
@@ -1457,7 +1471,7 @@
           <a:p>
             <a:fld id="{054C4ECF-2AC7-4F7A-B04F-44F52158C9D1}" type="datetimeFigureOut">
               <a:rPr lang="en-US" smtClean="0"/>
-              <a:t>12/13/2015</a:t>
+              <a:t>12/14/2015</a:t>
             </a:fld>
             <a:endParaRPr lang="en-US" dirty="0"/>
           </a:p>
@@ -1689,7 +1703,7 @@
           <a:p>
             <a:fld id="{054C4ECF-2AC7-4F7A-B04F-44F52158C9D1}" type="datetimeFigureOut">
               <a:rPr lang="en-US" smtClean="0"/>
-              <a:t>12/13/2015</a:t>
+              <a:t>12/14/2015</a:t>
             </a:fld>
             <a:endParaRPr lang="en-US" dirty="0"/>
           </a:p>
@@ -2056,7 +2070,7 @@
           <a:p>
             <a:fld id="{054C4ECF-2AC7-4F7A-B04F-44F52158C9D1}" type="datetimeFigureOut">
               <a:rPr lang="en-US" smtClean="0"/>
-              <a:t>12/13/2015</a:t>
+              <a:t>12/14/2015</a:t>
             </a:fld>
             <a:endParaRPr lang="en-US" dirty="0"/>
           </a:p>
@@ -2174,7 +2188,7 @@
           <a:p>
             <a:fld id="{054C4ECF-2AC7-4F7A-B04F-44F52158C9D1}" type="datetimeFigureOut">
               <a:rPr lang="en-US" smtClean="0"/>
-              <a:t>12/13/2015</a:t>
+              <a:t>12/14/2015</a:t>
             </a:fld>
             <a:endParaRPr lang="en-US" dirty="0"/>
           </a:p>
@@ -2269,7 +2283,7 @@
           <a:p>
             <a:fld id="{054C4ECF-2AC7-4F7A-B04F-44F52158C9D1}" type="datetimeFigureOut">
               <a:rPr lang="en-US" smtClean="0"/>
-              <a:t>12/13/2015</a:t>
+              <a:t>12/14/2015</a:t>
             </a:fld>
             <a:endParaRPr lang="en-US" dirty="0"/>
           </a:p>
@@ -2546,7 +2560,7 @@
           <a:p>
             <a:fld id="{054C4ECF-2AC7-4F7A-B04F-44F52158C9D1}" type="datetimeFigureOut">
               <a:rPr lang="en-US" smtClean="0"/>
-              <a:t>12/13/2015</a:t>
+              <a:t>12/14/2015</a:t>
             </a:fld>
             <a:endParaRPr lang="en-US" dirty="0"/>
           </a:p>
@@ -2799,7 +2813,7 @@
           <a:p>
             <a:fld id="{054C4ECF-2AC7-4F7A-B04F-44F52158C9D1}" type="datetimeFigureOut">
               <a:rPr lang="en-US" smtClean="0"/>
-              <a:t>12/13/2015</a:t>
+              <a:t>12/14/2015</a:t>
             </a:fld>
             <a:endParaRPr lang="en-US" dirty="0"/>
           </a:p>
@@ -3012,7 +3026,7 @@
           <a:p>
             <a:fld id="{054C4ECF-2AC7-4F7A-B04F-44F52158C9D1}" type="datetimeFigureOut">
               <a:rPr lang="en-US" smtClean="0"/>
-              <a:t>12/13/2015</a:t>
+              <a:t>12/14/2015</a:t>
             </a:fld>
             <a:endParaRPr lang="en-US" dirty="0"/>
           </a:p>
@@ -4640,15 +4654,7 @@
             </a:pPr>
             <a:r>
               <a:rPr lang="en-US" sz="3200" dirty="0" smtClean="0"/>
-              <a:t>MyNumber&lt;Integer&gt; </a:t>
-            </a:r>
-            <a:r>
-              <a:rPr lang="en-US" sz="3200" dirty="0" err="1" smtClean="0"/>
-              <a:t>intNumber</a:t>
-            </a:r>
-            <a:r>
-              <a:rPr lang="en-US" sz="3200" dirty="0" smtClean="0"/>
-              <a:t> = a -&gt; 42;</a:t>
+              <a:t>MyNumber&lt;Integer&gt; intNumber = a -&gt; 42;</a:t>
             </a:r>
           </a:p>
           <a:p>
@@ -4664,12 +4670,8 @@
               <a:t> </a:t>
             </a:r>
             <a:r>
-              <a:rPr lang="en-US" sz="3200" dirty="0" err="1" smtClean="0"/>
-              <a:t>doubleNumber</a:t>
-            </a:r>
-            <a:r>
               <a:rPr lang="en-US" sz="3200" dirty="0" smtClean="0"/>
-              <a:t> = a -&gt; 24.43;</a:t>
+              <a:t>doubleNumber = a -&gt; 24.43;</a:t>
             </a:r>
             <a:endParaRPr lang="en-US" sz="3200" dirty="0"/>
           </a:p>
@@ -4923,6 +4925,18 @@
               <a:rPr lang="ru-RU" dirty="0"/>
               <a:t>Лямбда-выражение может генерировать исключение. </a:t>
             </a:r>
+            <a:endParaRPr lang="ru-RU" dirty="0" smtClean="0"/>
+          </a:p>
+          <a:p>
+            <a:pPr marL="0" indent="0">
+              <a:buNone/>
+            </a:pPr>
+            <a:endParaRPr lang="ru-RU" dirty="0"/>
+          </a:p>
+          <a:p>
+            <a:pPr marL="0" indent="0" algn="just">
+              <a:buNone/>
+            </a:pPr>
             <a:r>
               <a:rPr lang="ru-RU" dirty="0" smtClean="0"/>
               <a:t>Но </a:t>
@@ -5054,8 +5068,18 @@
             </a:pPr>
             <a:r>
               <a:rPr lang="ru-RU" dirty="0" smtClean="0"/>
-              <a:t>В лямбда-выражении можно использовать:</a:t>
-            </a:r>
+              <a:t>В лямбда-выражении можно использовать</a:t>
+            </a:r>
+            <a:r>
+              <a:rPr lang="ru-RU" dirty="0" smtClean="0"/>
+              <a:t>:</a:t>
+            </a:r>
+          </a:p>
+          <a:p>
+            <a:pPr marL="0" indent="0">
+              <a:buNone/>
+            </a:pPr>
+            <a:endParaRPr lang="ru-RU" dirty="0" smtClean="0"/>
           </a:p>
           <a:p>
             <a:pPr marL="514350" indent="-514350">
@@ -5063,8 +5087,17 @@
             </a:pPr>
             <a:r>
               <a:rPr lang="ru-RU" dirty="0" smtClean="0"/>
-              <a:t>переменную экземпляра класса</a:t>
-            </a:r>
+              <a:t>переменную экземпляра </a:t>
+            </a:r>
+            <a:r>
+              <a:rPr lang="ru-RU" dirty="0" smtClean="0"/>
+              <a:t>класса</a:t>
+            </a:r>
+            <a:r>
+              <a:rPr lang="en-US" dirty="0" smtClean="0"/>
+              <a:t>;</a:t>
+            </a:r>
+            <a:endParaRPr lang="ru-RU" dirty="0" smtClean="0"/>
           </a:p>
           <a:p>
             <a:pPr marL="514350" indent="-514350">
@@ -5072,8 +5105,17 @@
             </a:pPr>
             <a:r>
               <a:rPr lang="ru-RU" dirty="0" smtClean="0"/>
-              <a:t>статическую переменную</a:t>
-            </a:r>
+              <a:t>статическую </a:t>
+            </a:r>
+            <a:r>
+              <a:rPr lang="ru-RU" dirty="0" smtClean="0"/>
+              <a:t>переменную</a:t>
+            </a:r>
+            <a:r>
+              <a:rPr lang="en-US" dirty="0" smtClean="0"/>
+              <a:t>;</a:t>
+            </a:r>
+            <a:endParaRPr lang="ru-RU" dirty="0" smtClean="0"/>
           </a:p>
           <a:p>
             <a:pPr marL="514350" indent="-514350">
@@ -5085,8 +5127,9 @@
             </a:r>
             <a:r>
               <a:rPr lang="en-US" dirty="0" smtClean="0"/>
-              <a:t>this</a:t>
-            </a:r>
+              <a:t>this;</a:t>
+            </a:r>
+            <a:endParaRPr lang="en-US" dirty="0" smtClean="0"/>
           </a:p>
           <a:p>
             <a:pPr marL="514350" indent="-514350">
@@ -5098,7 +5141,11 @@
             </a:r>
             <a:r>
               <a:rPr lang="en-US" dirty="0" smtClean="0"/>
-              <a:t> (final or effectively final)</a:t>
+              <a:t> (final or effectively final</a:t>
+            </a:r>
+            <a:r>
+              <a:rPr lang="en-US" dirty="0" smtClean="0"/>
+              <a:t>).</a:t>
             </a:r>
             <a:endParaRPr lang="ru-RU" dirty="0" smtClean="0"/>
           </a:p>
@@ -5157,13 +5204,9 @@
           <a:p>
             <a:r>
               <a:rPr lang="ru-RU" dirty="0" smtClean="0"/>
-              <a:t>Ссылки </a:t>
-            </a:r>
-            <a:r>
-              <a:rPr lang="ru-RU" smtClean="0"/>
-              <a:t>на методы</a:t>
-            </a:r>
-            <a:endParaRPr lang="en-US"/>
+              <a:t>Ссылки на методы</a:t>
+            </a:r>
+            <a:endParaRPr lang="en-US" dirty="0"/>
           </a:p>
         </p:txBody>
       </p:sp>
@@ -5182,7 +5225,63 @@
           <a:bodyPr/>
           <a:lstStyle/>
           <a:p>
-            <a:endParaRPr lang="en-US"/>
+            <a:pPr marL="0" indent="0">
+              <a:buNone/>
+            </a:pPr>
+            <a:r>
+              <a:rPr lang="ru-RU" dirty="0"/>
+              <a:t>Такая ссылка позволяется обращаться к методу, не вызывая его</a:t>
+            </a:r>
+            <a:r>
+              <a:rPr lang="ru-RU" dirty="0" smtClean="0"/>
+              <a:t>.</a:t>
+            </a:r>
+            <a:endParaRPr lang="en-US" dirty="0" smtClean="0"/>
+          </a:p>
+          <a:p>
+            <a:endParaRPr lang="ru-RU" dirty="0"/>
+          </a:p>
+          <a:p>
+            <a:pPr marL="0" indent="0" algn="just">
+              <a:buNone/>
+            </a:pPr>
+            <a:r>
+              <a:rPr lang="ru-RU" dirty="0"/>
+              <a:t>Она связана с лямбда-выражениями потому, что ей также требуется контекст </a:t>
+            </a:r>
+            <a:r>
+              <a:rPr lang="ru-RU" dirty="0" smtClean="0"/>
+              <a:t>целевого</a:t>
+            </a:r>
+            <a:r>
+              <a:rPr lang="en-US" dirty="0" smtClean="0"/>
+              <a:t> </a:t>
+            </a:r>
+            <a:r>
+              <a:rPr lang="ru-RU" dirty="0" smtClean="0"/>
+              <a:t>типа</a:t>
+            </a:r>
+            <a:r>
+              <a:rPr lang="en-US" dirty="0" smtClean="0"/>
+              <a:t>,</a:t>
+            </a:r>
+            <a:r>
+              <a:rPr lang="ru-RU" dirty="0" smtClean="0"/>
+              <a:t> </a:t>
+            </a:r>
+            <a:r>
+              <a:rPr lang="ru-RU" dirty="0"/>
+              <a:t>состоящий из совместимого </a:t>
+            </a:r>
+            <a:r>
+              <a:rPr lang="ru-RU" dirty="0" smtClean="0"/>
+              <a:t>функционального интерфейса</a:t>
+            </a:r>
+            <a:r>
+              <a:rPr lang="ru-RU" dirty="0"/>
+              <a:t>.</a:t>
+            </a:r>
+            <a:endParaRPr lang="en-US" dirty="0"/>
           </a:p>
         </p:txBody>
       </p:sp>
@@ -5190,6 +5289,614 @@
     <p:extLst>
       <p:ext uri="{BB962C8B-B14F-4D97-AF65-F5344CB8AC3E}">
         <p14:creationId xmlns:p14="http://schemas.microsoft.com/office/powerpoint/2010/main" val="1345873991"/>
+      </p:ext>
+    </p:extLst>
+  </p:cSld>
+  <p:clrMapOvr>
+    <a:masterClrMapping/>
+  </p:clrMapOvr>
+</p:sld>
+</file>
+
+<file path=ppt/slides/slide18.xml><?xml version="1.0" encoding="utf-8"?>
+<p:sld xmlns:a="http://schemas.openxmlformats.org/drawingml/2006/main" xmlns:r="http://schemas.openxmlformats.org/officeDocument/2006/relationships" xmlns:p="http://schemas.openxmlformats.org/presentationml/2006/main">
+  <p:cSld>
+    <p:spTree>
+      <p:nvGrpSpPr>
+        <p:cNvPr id="1" name=""/>
+        <p:cNvGrpSpPr/>
+        <p:nvPr/>
+      </p:nvGrpSpPr>
+      <p:grpSpPr>
+        <a:xfrm>
+          <a:off x="0" y="0"/>
+          <a:ext cx="0" cy="0"/>
+          <a:chOff x="0" y="0"/>
+          <a:chExt cx="0" cy="0"/>
+        </a:xfrm>
+      </p:grpSpPr>
+      <p:sp>
+        <p:nvSpPr>
+          <p:cNvPr id="3" name="Content Placeholder 2"/>
+          <p:cNvSpPr>
+            <a:spLocks noGrp="1"/>
+          </p:cNvSpPr>
+          <p:nvPr>
+            <p:ph idx="1"/>
+          </p:nvPr>
+        </p:nvSpPr>
+        <p:spPr>
+          <a:xfrm>
+            <a:off x="852268" y="618978"/>
+            <a:ext cx="10515600" cy="5628323"/>
+          </a:xfrm>
+        </p:spPr>
+        <p:txBody>
+          <a:bodyPr/>
+          <a:lstStyle/>
+          <a:p>
+            <a:pPr marL="0" indent="0">
+              <a:buNone/>
+            </a:pPr>
+            <a:r>
+              <a:rPr lang="ru-RU" dirty="0" smtClean="0"/>
+              <a:t> </a:t>
+            </a:r>
+          </a:p>
+          <a:p>
+            <a:pPr marL="0" indent="0">
+              <a:buNone/>
+            </a:pPr>
+            <a:r>
+              <a:rPr lang="ru-RU" dirty="0" smtClean="0"/>
+              <a:t>Ссылка на статический метод</a:t>
+            </a:r>
+            <a:endParaRPr lang="en-US" dirty="0" smtClean="0"/>
+          </a:p>
+          <a:p>
+            <a:pPr marL="0" indent="0">
+              <a:buNone/>
+            </a:pPr>
+            <a:r>
+              <a:rPr lang="ru-RU" dirty="0" smtClean="0">
+                <a:solidFill>
+                  <a:schemeClr val="accent1">
+                    <a:lumMod val="75000"/>
+                  </a:schemeClr>
+                </a:solidFill>
+              </a:rPr>
+              <a:t>имя_класса::имя_метода</a:t>
+            </a:r>
+          </a:p>
+          <a:p>
+            <a:pPr marL="0" indent="0">
+              <a:buNone/>
+            </a:pPr>
+            <a:endParaRPr lang="ru-RU" dirty="0">
+              <a:solidFill>
+                <a:schemeClr val="accent1">
+                  <a:lumMod val="75000"/>
+                </a:schemeClr>
+              </a:solidFill>
+            </a:endParaRPr>
+          </a:p>
+          <a:p>
+            <a:pPr marL="0" indent="0">
+              <a:buNone/>
+            </a:pPr>
+            <a:r>
+              <a:rPr lang="ru-RU" dirty="0" smtClean="0"/>
+              <a:t>Ссылка на метод экземпляра</a:t>
+            </a:r>
+          </a:p>
+          <a:p>
+            <a:pPr marL="0" indent="0">
+              <a:buNone/>
+            </a:pPr>
+            <a:r>
+              <a:rPr lang="ru-RU" dirty="0" smtClean="0">
+                <a:solidFill>
+                  <a:schemeClr val="accent1">
+                    <a:lumMod val="75000"/>
+                  </a:schemeClr>
+                </a:solidFill>
+              </a:rPr>
+              <a:t>ссылка_на_объект::имя_метода</a:t>
+            </a:r>
+            <a:endParaRPr lang="en-US" dirty="0" smtClean="0">
+              <a:solidFill>
+                <a:schemeClr val="accent1">
+                  <a:lumMod val="75000"/>
+                </a:schemeClr>
+              </a:solidFill>
+            </a:endParaRPr>
+          </a:p>
+          <a:p>
+            <a:pPr marL="0" indent="0">
+              <a:buNone/>
+            </a:pPr>
+            <a:endParaRPr lang="en-US" dirty="0">
+              <a:solidFill>
+                <a:schemeClr val="accent1">
+                  <a:lumMod val="75000"/>
+                </a:schemeClr>
+              </a:solidFill>
+            </a:endParaRPr>
+          </a:p>
+          <a:p>
+            <a:pPr marL="0" indent="0">
+              <a:buNone/>
+            </a:pPr>
+            <a:r>
+              <a:rPr lang="ru-RU" dirty="0" smtClean="0"/>
+              <a:t>Ссылка на конструктор</a:t>
+            </a:r>
+          </a:p>
+          <a:p>
+            <a:pPr marL="0" indent="0">
+              <a:buNone/>
+            </a:pPr>
+            <a:r>
+              <a:rPr lang="ru-RU" dirty="0" smtClean="0">
+                <a:solidFill>
+                  <a:schemeClr val="accent1">
+                    <a:lumMod val="75000"/>
+                  </a:schemeClr>
+                </a:solidFill>
+              </a:rPr>
+              <a:t>имя_класса::</a:t>
+            </a:r>
+            <a:r>
+              <a:rPr lang="en-US" dirty="0" smtClean="0">
+                <a:solidFill>
+                  <a:schemeClr val="accent1">
+                    <a:lumMod val="75000"/>
+                  </a:schemeClr>
+                </a:solidFill>
+              </a:rPr>
+              <a:t>new</a:t>
+            </a:r>
+            <a:endParaRPr lang="ru-RU" dirty="0" smtClean="0">
+              <a:solidFill>
+                <a:schemeClr val="accent1">
+                  <a:lumMod val="75000"/>
+                </a:schemeClr>
+              </a:solidFill>
+            </a:endParaRPr>
+          </a:p>
+          <a:p>
+            <a:pPr marL="0" indent="0">
+              <a:buNone/>
+            </a:pPr>
+            <a:endParaRPr lang="ru-RU" dirty="0">
+              <a:solidFill>
+                <a:schemeClr val="accent1">
+                  <a:lumMod val="75000"/>
+                </a:schemeClr>
+              </a:solidFill>
+            </a:endParaRPr>
+          </a:p>
+          <a:p>
+            <a:pPr marL="0" indent="0">
+              <a:buNone/>
+            </a:pPr>
+            <a:endParaRPr lang="ru-RU" dirty="0" smtClean="0">
+              <a:solidFill>
+                <a:schemeClr val="accent1">
+                  <a:lumMod val="75000"/>
+                </a:schemeClr>
+              </a:solidFill>
+            </a:endParaRPr>
+          </a:p>
+          <a:p>
+            <a:pPr marL="0" indent="0">
+              <a:buNone/>
+            </a:pPr>
+            <a:endParaRPr lang="ru-RU" dirty="0" smtClean="0"/>
+          </a:p>
+          <a:p>
+            <a:pPr marL="0" indent="0">
+              <a:buNone/>
+            </a:pPr>
+            <a:endParaRPr lang="en-US" dirty="0"/>
+          </a:p>
+        </p:txBody>
+      </p:sp>
+    </p:spTree>
+    <p:extLst>
+      <p:ext uri="{BB962C8B-B14F-4D97-AF65-F5344CB8AC3E}">
+        <p14:creationId xmlns:p14="http://schemas.microsoft.com/office/powerpoint/2010/main" val="1974442477"/>
+      </p:ext>
+    </p:extLst>
+  </p:cSld>
+  <p:clrMapOvr>
+    <a:masterClrMapping/>
+  </p:clrMapOvr>
+</p:sld>
+</file>
+
+<file path=ppt/slides/slide19.xml><?xml version="1.0" encoding="utf-8"?>
+<p:sld xmlns:a="http://schemas.openxmlformats.org/drawingml/2006/main" xmlns:r="http://schemas.openxmlformats.org/officeDocument/2006/relationships" xmlns:p="http://schemas.openxmlformats.org/presentationml/2006/main">
+  <p:cSld>
+    <p:spTree>
+      <p:nvGrpSpPr>
+        <p:cNvPr id="1" name=""/>
+        <p:cNvGrpSpPr/>
+        <p:nvPr/>
+      </p:nvGrpSpPr>
+      <p:grpSpPr>
+        <a:xfrm>
+          <a:off x="0" y="0"/>
+          <a:ext cx="0" cy="0"/>
+          <a:chOff x="0" y="0"/>
+          <a:chExt cx="0" cy="0"/>
+        </a:xfrm>
+      </p:grpSpPr>
+      <p:sp>
+        <p:nvSpPr>
+          <p:cNvPr id="2" name="Title 1"/>
+          <p:cNvSpPr>
+            <a:spLocks noGrp="1"/>
+          </p:cNvSpPr>
+          <p:nvPr>
+            <p:ph type="title"/>
+          </p:nvPr>
+        </p:nvSpPr>
+        <p:spPr>
+          <a:xfrm>
+            <a:off x="838200" y="365125"/>
+            <a:ext cx="10515600" cy="802493"/>
+          </a:xfrm>
+        </p:spPr>
+        <p:txBody>
+          <a:bodyPr>
+            <a:normAutofit/>
+          </a:bodyPr>
+          <a:lstStyle/>
+          <a:p>
+            <a:r>
+              <a:rPr lang="ru-RU" sz="3200" dirty="0" smtClean="0"/>
+              <a:t>Предопределенные функциональные интерфейсы</a:t>
+            </a:r>
+            <a:endParaRPr lang="en-US" sz="3200" dirty="0"/>
+          </a:p>
+        </p:txBody>
+      </p:sp>
+      <p:graphicFrame>
+        <p:nvGraphicFramePr>
+          <p:cNvPr id="4" name="Content Placeholder 3"/>
+          <p:cNvGraphicFramePr>
+            <a:graphicFrameLocks noGrp="1"/>
+          </p:cNvGraphicFramePr>
+          <p:nvPr>
+            <p:ph idx="1"/>
+            <p:extLst>
+              <p:ext uri="{D42A27DB-BD31-4B8C-83A1-F6EECF244321}">
+                <p14:modId xmlns:p14="http://schemas.microsoft.com/office/powerpoint/2010/main" val="3647912389"/>
+              </p:ext>
+            </p:extLst>
+          </p:nvPr>
+        </p:nvGraphicFramePr>
+        <p:xfrm>
+          <a:off x="838200" y="1167618"/>
+          <a:ext cx="10515600" cy="5162842"/>
+        </p:xfrm>
+        <a:graphic>
+          <a:graphicData uri="http://schemas.openxmlformats.org/drawingml/2006/table">
+            <a:tbl>
+              <a:tblPr firstRow="1" bandRow="1">
+                <a:tableStyleId>{5C22544A-7EE6-4342-B048-85BDC9FD1C3A}</a:tableStyleId>
+              </a:tblPr>
+              <a:tblGrid>
+                <a:gridCol w="3494649"/>
+                <a:gridCol w="7020951"/>
+              </a:tblGrid>
+              <a:tr h="433013">
+                <a:tc>
+                  <a:txBody>
+                    <a:bodyPr/>
+                    <a:lstStyle/>
+                    <a:p>
+                      <a:r>
+                        <a:rPr lang="ru-RU" sz="2000" dirty="0" smtClean="0"/>
+                        <a:t>Функциональный интерфейс</a:t>
+                      </a:r>
+                      <a:endParaRPr lang="en-US" sz="2000" dirty="0"/>
+                    </a:p>
+                  </a:txBody>
+                  <a:tcPr/>
+                </a:tc>
+                <a:tc>
+                  <a:txBody>
+                    <a:bodyPr/>
+                    <a:lstStyle/>
+                    <a:p>
+                      <a:r>
+                        <a:rPr lang="ru-RU" sz="2000" dirty="0" smtClean="0"/>
+                        <a:t>Назначение</a:t>
+                      </a:r>
+                      <a:endParaRPr lang="en-US" sz="2000" dirty="0"/>
+                    </a:p>
+                  </a:txBody>
+                  <a:tcPr/>
+                </a:tc>
+              </a:tr>
+              <a:tr h="766099">
+                <a:tc>
+                  <a:txBody>
+                    <a:bodyPr/>
+                    <a:lstStyle/>
+                    <a:p>
+                      <a:r>
+                        <a:rPr lang="en-US" sz="2800" dirty="0" smtClean="0"/>
+                        <a:t>UnaryOperator&lt;T&gt;</a:t>
+                      </a:r>
+                      <a:endParaRPr lang="en-US" sz="2800" dirty="0"/>
+                    </a:p>
+                  </a:txBody>
+                  <a:tcPr/>
+                </a:tc>
+                <a:tc>
+                  <a:txBody>
+                    <a:bodyPr/>
+                    <a:lstStyle/>
+                    <a:p>
+                      <a:r>
+                        <a:rPr lang="ru-RU" sz="2000" dirty="0" smtClean="0"/>
+                        <a:t>Выполняет</a:t>
+                      </a:r>
+                      <a:r>
+                        <a:rPr lang="ru-RU" sz="2000" baseline="0" dirty="0" smtClean="0"/>
+                        <a:t> унарную операцию над объектом типа </a:t>
+                      </a:r>
+                      <a:r>
+                        <a:rPr lang="en-US" sz="2000" baseline="0" dirty="0" smtClean="0"/>
+                        <a:t>T </a:t>
+                      </a:r>
+                      <a:r>
+                        <a:rPr lang="ru-RU" sz="2000" baseline="0" dirty="0" smtClean="0"/>
+                        <a:t>и возвращает результат того же типа. Содержит метод </a:t>
+                      </a:r>
+                      <a:r>
+                        <a:rPr lang="en-US" sz="2000" baseline="0" dirty="0" smtClean="0"/>
+                        <a:t>apply()</a:t>
+                      </a:r>
+                      <a:endParaRPr lang="en-US" sz="2000" dirty="0"/>
+                    </a:p>
+                  </a:txBody>
+                  <a:tcPr/>
+                </a:tc>
+              </a:tr>
+              <a:tr h="766099">
+                <a:tc>
+                  <a:txBody>
+                    <a:bodyPr/>
+                    <a:lstStyle/>
+                    <a:p>
+                      <a:r>
+                        <a:rPr lang="en-US" sz="2800" dirty="0" smtClean="0"/>
+                        <a:t>BinaryOperator&lt;T&gt;</a:t>
+                      </a:r>
+                      <a:endParaRPr lang="en-US" sz="2800" dirty="0"/>
+                    </a:p>
+                  </a:txBody>
+                  <a:tcPr/>
+                </a:tc>
+                <a:tc>
+                  <a:txBody>
+                    <a:bodyPr/>
+                    <a:lstStyle/>
+                    <a:p>
+                      <a:r>
+                        <a:rPr lang="ru-RU" sz="2000" dirty="0" smtClean="0"/>
+                        <a:t>Выполняет</a:t>
+                      </a:r>
+                      <a:r>
+                        <a:rPr lang="ru-RU" sz="2000" baseline="0" dirty="0" smtClean="0"/>
+                        <a:t> логическую операцию над двумя объектами типа </a:t>
+                      </a:r>
+                      <a:r>
+                        <a:rPr lang="en-US" sz="2000" baseline="0" dirty="0" smtClean="0"/>
+                        <a:t>T </a:t>
+                      </a:r>
+                      <a:r>
+                        <a:rPr lang="ru-RU" sz="2000" baseline="0" dirty="0" smtClean="0"/>
+                        <a:t>и возвращает результат того же типа. Содержит метод </a:t>
+                      </a:r>
+                      <a:r>
+                        <a:rPr lang="en-US" sz="2000" baseline="0" dirty="0" smtClean="0"/>
+                        <a:t>apply()</a:t>
+                      </a:r>
+                      <a:endParaRPr lang="en-US" sz="2000" dirty="0"/>
+                    </a:p>
+                  </a:txBody>
+                  <a:tcPr/>
+                </a:tc>
+              </a:tr>
+              <a:tr h="766099">
+                <a:tc>
+                  <a:txBody>
+                    <a:bodyPr/>
+                    <a:lstStyle/>
+                    <a:p>
+                      <a:r>
+                        <a:rPr lang="en-US" sz="2800" dirty="0" smtClean="0"/>
+                        <a:t>Consumer&lt;T&gt;</a:t>
+                      </a:r>
+                      <a:endParaRPr lang="en-US" sz="2800" dirty="0"/>
+                    </a:p>
+                  </a:txBody>
+                  <a:tcPr/>
+                </a:tc>
+                <a:tc>
+                  <a:txBody>
+                    <a:bodyPr/>
+                    <a:lstStyle/>
+                    <a:p>
+                      <a:r>
+                        <a:rPr lang="ru-RU" sz="2000" dirty="0" smtClean="0"/>
+                        <a:t>Выполняет</a:t>
+                      </a:r>
+                      <a:r>
+                        <a:rPr lang="ru-RU" sz="2000" baseline="0" dirty="0" smtClean="0"/>
+                        <a:t> операцию над объектом типа </a:t>
+                      </a:r>
+                      <a:r>
+                        <a:rPr lang="en-US" sz="2000" baseline="0" dirty="0" smtClean="0"/>
+                        <a:t>T</a:t>
+                      </a:r>
+                      <a:r>
+                        <a:rPr lang="ru-RU" sz="2000" baseline="0" dirty="0" smtClean="0"/>
+                        <a:t>. Содержит метод </a:t>
+                      </a:r>
+                      <a:r>
+                        <a:rPr lang="en-US" sz="2000" baseline="0" dirty="0" smtClean="0"/>
+                        <a:t>accept()</a:t>
+                      </a:r>
+                      <a:endParaRPr lang="en-US" sz="2000" dirty="0"/>
+                    </a:p>
+                  </a:txBody>
+                  <a:tcPr/>
+                </a:tc>
+              </a:tr>
+              <a:tr h="566247">
+                <a:tc>
+                  <a:txBody>
+                    <a:bodyPr/>
+                    <a:lstStyle/>
+                    <a:p>
+                      <a:r>
+                        <a:rPr lang="en-US" sz="2800" dirty="0" smtClean="0"/>
+                        <a:t>Supplier&lt;T&gt;</a:t>
+                      </a:r>
+                      <a:endParaRPr lang="en-US" sz="2800" dirty="0"/>
+                    </a:p>
+                  </a:txBody>
+                  <a:tcPr/>
+                </a:tc>
+                <a:tc>
+                  <a:txBody>
+                    <a:bodyPr/>
+                    <a:lstStyle/>
+                    <a:p>
+                      <a:r>
+                        <a:rPr lang="ru-RU" sz="2000" dirty="0" smtClean="0"/>
+                        <a:t>Возвращает</a:t>
+                      </a:r>
+                      <a:r>
+                        <a:rPr lang="ru-RU" sz="2000" baseline="0" dirty="0" smtClean="0"/>
+                        <a:t> объект типа </a:t>
+                      </a:r>
+                      <a:r>
+                        <a:rPr lang="en-US" sz="2000" baseline="0" dirty="0" smtClean="0"/>
+                        <a:t>T.  </a:t>
+                      </a:r>
+                      <a:r>
+                        <a:rPr lang="ru-RU" sz="2000" baseline="0" dirty="0" smtClean="0"/>
+                        <a:t>Содержит метод </a:t>
+                      </a:r>
+                      <a:r>
+                        <a:rPr lang="en-US" sz="2000" baseline="0" dirty="0" smtClean="0"/>
+                        <a:t>get()</a:t>
+                      </a:r>
+                      <a:endParaRPr lang="en-US" sz="2000" dirty="0"/>
+                    </a:p>
+                  </a:txBody>
+                  <a:tcPr/>
+                </a:tc>
+              </a:tr>
+              <a:tr h="766099">
+                <a:tc>
+                  <a:txBody>
+                    <a:bodyPr/>
+                    <a:lstStyle/>
+                    <a:p>
+                      <a:r>
+                        <a:rPr lang="en-US" sz="2800" dirty="0" smtClean="0"/>
+                        <a:t>Function&lt;T,R&gt;</a:t>
+                      </a:r>
+                      <a:endParaRPr lang="en-US" sz="2800" dirty="0"/>
+                    </a:p>
+                  </a:txBody>
+                  <a:tcPr/>
+                </a:tc>
+                <a:tc>
+                  <a:txBody>
+                    <a:bodyPr/>
+                    <a:lstStyle/>
+                    <a:p>
+                      <a:r>
+                        <a:rPr lang="ru-RU" sz="2000" dirty="0" smtClean="0"/>
+                        <a:t>Выполняет</a:t>
+                      </a:r>
+                      <a:r>
+                        <a:rPr lang="ru-RU" sz="2000" baseline="0" dirty="0" smtClean="0"/>
+                        <a:t> операцию над объектом типа Т и возвращает результат типа </a:t>
+                      </a:r>
+                      <a:r>
+                        <a:rPr lang="en-US" sz="2000" baseline="0" dirty="0" smtClean="0"/>
+                        <a:t>R. </a:t>
+                      </a:r>
+                      <a:r>
+                        <a:rPr lang="ru-RU" sz="2000" baseline="0" dirty="0" smtClean="0"/>
+                        <a:t>Содержит метод </a:t>
+                      </a:r>
+                      <a:r>
+                        <a:rPr lang="en-US" sz="2000" baseline="0" dirty="0" smtClean="0"/>
+                        <a:t>apply()</a:t>
+                      </a:r>
+                      <a:endParaRPr lang="en-US" sz="2000" dirty="0"/>
+                    </a:p>
+                  </a:txBody>
+                  <a:tcPr/>
+                </a:tc>
+              </a:tr>
+              <a:tr h="1099186">
+                <a:tc>
+                  <a:txBody>
+                    <a:bodyPr/>
+                    <a:lstStyle/>
+                    <a:p>
+                      <a:r>
+                        <a:rPr lang="en-US" sz="2800" dirty="0" smtClean="0"/>
+                        <a:t>Predicate&lt;T&gt;</a:t>
+                      </a:r>
+                      <a:endParaRPr lang="en-US" sz="2800" dirty="0"/>
+                    </a:p>
+                  </a:txBody>
+                  <a:tcPr/>
+                </a:tc>
+                <a:tc>
+                  <a:txBody>
+                    <a:bodyPr/>
+                    <a:lstStyle/>
+                    <a:p>
+                      <a:r>
+                        <a:rPr lang="ru-RU" sz="2000" dirty="0" smtClean="0"/>
+                        <a:t>Определяет,</a:t>
+                      </a:r>
+                      <a:r>
+                        <a:rPr lang="ru-RU" sz="2000" baseline="0" dirty="0" smtClean="0"/>
+                        <a:t> удовлетворяет ли объект типа Т некоторому ограниченному условию. Возвращает логическое значение, обозначающее результат. Содержит метод </a:t>
+                      </a:r>
+                      <a:r>
+                        <a:rPr lang="en-US" sz="2000" baseline="0" dirty="0" smtClean="0"/>
+                        <a:t>test()</a:t>
+                      </a:r>
+                      <a:endParaRPr lang="en-US" sz="2000" dirty="0"/>
+                    </a:p>
+                  </a:txBody>
+                  <a:tcPr/>
+                </a:tc>
+              </a:tr>
+            </a:tbl>
+          </a:graphicData>
+        </a:graphic>
+      </p:graphicFrame>
+    </p:spTree>
+    <p:extLst>
+      <p:ext uri="{BB962C8B-B14F-4D97-AF65-F5344CB8AC3E}">
+        <p14:creationId xmlns:p14="http://schemas.microsoft.com/office/powerpoint/2010/main" val="4236694076"/>
       </p:ext>
     </p:extLst>
   </p:cSld>
@@ -5269,6 +5976,9 @@
             <a:endParaRPr lang="en-US" sz="3200" dirty="0" smtClean="0"/>
           </a:p>
           <a:p>
+            <a:pPr marL="0" indent="0">
+              <a:buNone/>
+            </a:pPr>
             <a:r>
               <a:rPr lang="ru-RU" sz="3200" dirty="0" smtClean="0"/>
               <a:t>вводят в синтаксис новые элементы, повышающие выразительную силу языка</a:t>
@@ -5283,6 +5993,9 @@
             <a:endParaRPr lang="en-US" sz="3200" dirty="0" smtClean="0"/>
           </a:p>
           <a:p>
+            <a:pPr marL="0" indent="0">
+              <a:buNone/>
+            </a:pPr>
             <a:r>
               <a:rPr lang="ru-RU" sz="3200" dirty="0" smtClean="0"/>
               <a:t>за последние несколько лет </a:t>
@@ -5334,6 +6047,2032 @@
     <p:extLst>
       <p:ext uri="{BB962C8B-B14F-4D97-AF65-F5344CB8AC3E}">
         <p14:creationId xmlns:p14="http://schemas.microsoft.com/office/powerpoint/2010/main" val="465248682"/>
+      </p:ext>
+    </p:extLst>
+  </p:cSld>
+  <p:clrMapOvr>
+    <a:masterClrMapping/>
+  </p:clrMapOvr>
+</p:sld>
+</file>
+
+<file path=ppt/slides/slide20.xml><?xml version="1.0" encoding="utf-8"?>
+<p:sld xmlns:a="http://schemas.openxmlformats.org/drawingml/2006/main" xmlns:r="http://schemas.openxmlformats.org/officeDocument/2006/relationships" xmlns:p="http://schemas.openxmlformats.org/presentationml/2006/main">
+  <p:cSld>
+    <p:spTree>
+      <p:nvGrpSpPr>
+        <p:cNvPr id="1" name=""/>
+        <p:cNvGrpSpPr/>
+        <p:nvPr/>
+      </p:nvGrpSpPr>
+      <p:grpSpPr>
+        <a:xfrm>
+          <a:off x="0" y="0"/>
+          <a:ext cx="0" cy="0"/>
+          <a:chOff x="0" y="0"/>
+          <a:chExt cx="0" cy="0"/>
+        </a:xfrm>
+      </p:grpSpPr>
+      <p:sp>
+        <p:nvSpPr>
+          <p:cNvPr id="2" name="Title 1"/>
+          <p:cNvSpPr>
+            <a:spLocks noGrp="1"/>
+          </p:cNvSpPr>
+          <p:nvPr>
+            <p:ph type="title"/>
+          </p:nvPr>
+        </p:nvSpPr>
+        <p:spPr/>
+        <p:txBody>
+          <a:bodyPr/>
+          <a:lstStyle/>
+          <a:p>
+            <a:r>
+              <a:rPr lang="en-US" dirty="0" smtClean="0"/>
+              <a:t>Default methods (</a:t>
+            </a:r>
+            <a:r>
+              <a:rPr lang="ru-RU" dirty="0" smtClean="0"/>
+              <a:t>методы по умолчанию)</a:t>
+            </a:r>
+            <a:endParaRPr lang="en-US" dirty="0"/>
+          </a:p>
+        </p:txBody>
+      </p:sp>
+      <p:sp>
+        <p:nvSpPr>
+          <p:cNvPr id="3" name="Content Placeholder 2"/>
+          <p:cNvSpPr>
+            <a:spLocks noGrp="1"/>
+          </p:cNvSpPr>
+          <p:nvPr>
+            <p:ph idx="1"/>
+          </p:nvPr>
+        </p:nvSpPr>
+        <p:spPr>
+          <a:xfrm>
+            <a:off x="838200" y="1690688"/>
+            <a:ext cx="10880188" cy="4486275"/>
+          </a:xfrm>
+        </p:spPr>
+        <p:txBody>
+          <a:bodyPr>
+            <a:normAutofit lnSpcReduction="10000"/>
+          </a:bodyPr>
+          <a:lstStyle/>
+          <a:p>
+            <a:pPr marL="0" indent="0">
+              <a:buNone/>
+            </a:pPr>
+            <a:r>
+              <a:rPr lang="ru-RU" dirty="0" smtClean="0"/>
+              <a:t>До версии </a:t>
+            </a:r>
+            <a:r>
+              <a:rPr lang="en-US" dirty="0" smtClean="0"/>
+              <a:t>JDK 8</a:t>
+            </a:r>
+            <a:r>
+              <a:rPr lang="ru-RU" dirty="0" smtClean="0"/>
+              <a:t> в интерфейсе нельзя было реализовывать методы.</a:t>
+            </a:r>
+          </a:p>
+          <a:p>
+            <a:pPr marL="0" indent="0">
+              <a:buNone/>
+            </a:pPr>
+            <a:endParaRPr lang="ru-RU" dirty="0" smtClean="0"/>
+          </a:p>
+          <a:p>
+            <a:pPr marL="0" indent="0">
+              <a:buNone/>
+            </a:pPr>
+            <a:r>
+              <a:rPr lang="ru-RU" dirty="0" smtClean="0"/>
+              <a:t>В </a:t>
+            </a:r>
+            <a:r>
+              <a:rPr lang="en-US" dirty="0" smtClean="0"/>
+              <a:t>JDK 8 </a:t>
+            </a:r>
+            <a:r>
+              <a:rPr lang="ru-RU" dirty="0" smtClean="0"/>
+              <a:t>появилась новая возможность вводить в интерфейс так называемые </a:t>
+            </a:r>
+            <a:r>
+              <a:rPr lang="ru-RU" dirty="0" smtClean="0">
+                <a:solidFill>
+                  <a:schemeClr val="accent1">
+                    <a:lumMod val="75000"/>
+                  </a:schemeClr>
+                </a:solidFill>
+              </a:rPr>
+              <a:t>методы по умолчанию</a:t>
+            </a:r>
+            <a:r>
+              <a:rPr lang="ru-RU" dirty="0" smtClean="0"/>
+              <a:t>.</a:t>
+            </a:r>
+            <a:endParaRPr lang="ru-RU" dirty="0"/>
+          </a:p>
+          <a:p>
+            <a:pPr marL="0" indent="0">
+              <a:buNone/>
+            </a:pPr>
+            <a:endParaRPr lang="ru-RU" dirty="0" smtClean="0"/>
+          </a:p>
+          <a:p>
+            <a:pPr marL="0" indent="0">
+              <a:buNone/>
+            </a:pPr>
+            <a:r>
+              <a:rPr lang="ru-RU" dirty="0" smtClean="0"/>
+              <a:t>Метод по умолчанию позволяет объявить в интерфейсе метод не с абстрактным, а с конкретным телом.</a:t>
+            </a:r>
+          </a:p>
+          <a:p>
+            <a:pPr marL="0" indent="0">
+              <a:buNone/>
+            </a:pPr>
+            <a:endParaRPr lang="ru-RU" dirty="0"/>
+          </a:p>
+          <a:p>
+            <a:pPr marL="0" indent="0">
+              <a:buNone/>
+            </a:pPr>
+            <a:r>
+              <a:rPr lang="ru-RU" dirty="0" smtClean="0"/>
+              <a:t>Для определения метода по умолчанию используется ключевое слово </a:t>
+            </a:r>
+            <a:r>
+              <a:rPr lang="en-US" dirty="0" smtClean="0">
+                <a:solidFill>
+                  <a:schemeClr val="accent1">
+                    <a:lumMod val="75000"/>
+                  </a:schemeClr>
+                </a:solidFill>
+              </a:rPr>
+              <a:t>default</a:t>
+            </a:r>
+            <a:r>
+              <a:rPr lang="en-US" dirty="0" smtClean="0"/>
+              <a:t>.</a:t>
+            </a:r>
+            <a:endParaRPr lang="en-US" dirty="0">
+              <a:solidFill>
+                <a:schemeClr val="accent1">
+                  <a:lumMod val="75000"/>
+                </a:schemeClr>
+              </a:solidFill>
+            </a:endParaRPr>
+          </a:p>
+        </p:txBody>
+      </p:sp>
+    </p:spTree>
+    <p:extLst>
+      <p:ext uri="{BB962C8B-B14F-4D97-AF65-F5344CB8AC3E}">
+        <p14:creationId xmlns:p14="http://schemas.microsoft.com/office/powerpoint/2010/main" val="1765693087"/>
+      </p:ext>
+    </p:extLst>
+  </p:cSld>
+  <p:clrMapOvr>
+    <a:masterClrMapping/>
+  </p:clrMapOvr>
+</p:sld>
+</file>
+
+<file path=ppt/slides/slide21.xml><?xml version="1.0" encoding="utf-8"?>
+<p:sld xmlns:a="http://schemas.openxmlformats.org/drawingml/2006/main" xmlns:r="http://schemas.openxmlformats.org/officeDocument/2006/relationships" xmlns:p="http://schemas.openxmlformats.org/presentationml/2006/main">
+  <p:cSld>
+    <p:spTree>
+      <p:nvGrpSpPr>
+        <p:cNvPr id="1" name=""/>
+        <p:cNvGrpSpPr/>
+        <p:nvPr/>
+      </p:nvGrpSpPr>
+      <p:grpSpPr>
+        <a:xfrm>
+          <a:off x="0" y="0"/>
+          <a:ext cx="0" cy="0"/>
+          <a:chOff x="0" y="0"/>
+          <a:chExt cx="0" cy="0"/>
+        </a:xfrm>
+      </p:grpSpPr>
+      <p:sp>
+        <p:nvSpPr>
+          <p:cNvPr id="2" name="Title 1"/>
+          <p:cNvSpPr>
+            <a:spLocks noGrp="1"/>
+          </p:cNvSpPr>
+          <p:nvPr>
+            <p:ph type="title"/>
+          </p:nvPr>
+        </p:nvSpPr>
+        <p:spPr/>
+        <p:txBody>
+          <a:bodyPr/>
+          <a:lstStyle/>
+          <a:p>
+            <a:r>
+              <a:rPr lang="en-US" dirty="0" smtClean="0"/>
+              <a:t>Streams API</a:t>
+            </a:r>
+            <a:endParaRPr lang="en-US" dirty="0"/>
+          </a:p>
+        </p:txBody>
+      </p:sp>
+      <p:sp>
+        <p:nvSpPr>
+          <p:cNvPr id="3" name="Content Placeholder 2"/>
+          <p:cNvSpPr>
+            <a:spLocks noGrp="1"/>
+          </p:cNvSpPr>
+          <p:nvPr>
+            <p:ph idx="1"/>
+          </p:nvPr>
+        </p:nvSpPr>
+        <p:spPr>
+          <a:xfrm>
+            <a:off x="669701" y="1545465"/>
+            <a:ext cx="10684099" cy="4631498"/>
+          </a:xfrm>
+        </p:spPr>
+        <p:txBody>
+          <a:bodyPr/>
+          <a:lstStyle/>
+          <a:p>
+            <a:pPr marL="0" indent="0">
+              <a:buNone/>
+            </a:pPr>
+            <a:endParaRPr lang="en-US" dirty="0" smtClean="0"/>
+          </a:p>
+          <a:p>
+            <a:pPr marL="0" indent="0">
+              <a:buNone/>
+            </a:pPr>
+            <a:r>
+              <a:rPr lang="ru-RU" dirty="0" smtClean="0"/>
+              <a:t>Поток </a:t>
+            </a:r>
+            <a:r>
+              <a:rPr lang="ru-RU" dirty="0" smtClean="0"/>
+              <a:t>данных – это канал передачи данных, который оперирует источником данных, например, массивом, файлом или коллекцией.</a:t>
+            </a:r>
+          </a:p>
+          <a:p>
+            <a:pPr marL="0" indent="0">
+              <a:buNone/>
+            </a:pPr>
+            <a:endParaRPr lang="ru-RU" dirty="0" smtClean="0"/>
+          </a:p>
+          <a:p>
+            <a:pPr marL="0" indent="0">
+              <a:buNone/>
+            </a:pPr>
+            <a:r>
+              <a:rPr lang="ru-RU" dirty="0" smtClean="0"/>
+              <a:t>В </a:t>
+            </a:r>
+            <a:r>
+              <a:rPr lang="ru-RU" dirty="0"/>
+              <a:t>самом потоке данные не хранятся, а только </a:t>
+            </a:r>
+            <a:r>
+              <a:rPr lang="ru-RU" dirty="0" smtClean="0"/>
+              <a:t>перемещаются и</a:t>
+            </a:r>
+            <a:r>
+              <a:rPr lang="ru-RU" dirty="0"/>
+              <a:t>, возможно, фильтруются , сортируются или обрабатываются иным </a:t>
+            </a:r>
+            <a:r>
+              <a:rPr lang="ru-RU" dirty="0" smtClean="0"/>
+              <a:t>образом в </a:t>
+            </a:r>
+            <a:r>
+              <a:rPr lang="ru-RU" dirty="0"/>
+              <a:t>ходе этого процесса. Но, как правило , действие самого потока данных </a:t>
+            </a:r>
+            <a:r>
+              <a:rPr lang="ru-RU" dirty="0" smtClean="0"/>
+              <a:t>не видоизменяет </a:t>
+            </a:r>
+            <a:r>
+              <a:rPr lang="ru-RU" dirty="0"/>
+              <a:t>их источник.</a:t>
+            </a:r>
+            <a:endParaRPr lang="ru-RU" dirty="0" smtClean="0"/>
+          </a:p>
+          <a:p>
+            <a:pPr marL="0" indent="0">
+              <a:buNone/>
+            </a:pPr>
+            <a:endParaRPr lang="ru-RU" dirty="0" smtClean="0"/>
+          </a:p>
+        </p:txBody>
+      </p:sp>
+    </p:spTree>
+    <p:extLst>
+      <p:ext uri="{BB962C8B-B14F-4D97-AF65-F5344CB8AC3E}">
+        <p14:creationId xmlns:p14="http://schemas.microsoft.com/office/powerpoint/2010/main" val="2494107545"/>
+      </p:ext>
+    </p:extLst>
+  </p:cSld>
+  <p:clrMapOvr>
+    <a:masterClrMapping/>
+  </p:clrMapOvr>
+</p:sld>
+</file>
+
+<file path=ppt/slides/slide22.xml><?xml version="1.0" encoding="utf-8"?>
+<p:sld xmlns:a="http://schemas.openxmlformats.org/drawingml/2006/main" xmlns:r="http://schemas.openxmlformats.org/officeDocument/2006/relationships" xmlns:p="http://schemas.openxmlformats.org/presentationml/2006/main">
+  <p:cSld>
+    <p:spTree>
+      <p:nvGrpSpPr>
+        <p:cNvPr id="1" name=""/>
+        <p:cNvGrpSpPr/>
+        <p:nvPr/>
+      </p:nvGrpSpPr>
+      <p:grpSpPr>
+        <a:xfrm>
+          <a:off x="0" y="0"/>
+          <a:ext cx="0" cy="0"/>
+          <a:chOff x="0" y="0"/>
+          <a:chExt cx="0" cy="0"/>
+        </a:xfrm>
+      </p:grpSpPr>
+      <p:sp>
+        <p:nvSpPr>
+          <p:cNvPr id="2" name="Title 1"/>
+          <p:cNvSpPr>
+            <a:spLocks noGrp="1"/>
+          </p:cNvSpPr>
+          <p:nvPr>
+            <p:ph type="title"/>
+          </p:nvPr>
+        </p:nvSpPr>
+        <p:spPr/>
+        <p:txBody>
+          <a:bodyPr/>
+          <a:lstStyle/>
+          <a:p>
+            <a:r>
+              <a:rPr lang="ru-RU" dirty="0" smtClean="0"/>
+              <a:t>Получение потока данных</a:t>
+            </a:r>
+            <a:endParaRPr lang="en-US" dirty="0"/>
+          </a:p>
+        </p:txBody>
+      </p:sp>
+      <p:sp>
+        <p:nvSpPr>
+          <p:cNvPr id="3" name="Content Placeholder 2"/>
+          <p:cNvSpPr>
+            <a:spLocks noGrp="1"/>
+          </p:cNvSpPr>
+          <p:nvPr>
+            <p:ph idx="1"/>
+          </p:nvPr>
+        </p:nvSpPr>
+        <p:spPr/>
+        <p:txBody>
+          <a:bodyPr/>
+          <a:lstStyle/>
+          <a:p>
+            <a:pPr marL="0" indent="0">
+              <a:buNone/>
+            </a:pPr>
+            <a:r>
+              <a:rPr lang="ru-RU" dirty="0"/>
+              <a:t>С</a:t>
+            </a:r>
+            <a:r>
+              <a:rPr lang="ru-RU" dirty="0" smtClean="0"/>
+              <a:t>амый распространенный </a:t>
+            </a:r>
+            <a:r>
+              <a:rPr lang="ru-RU" dirty="0"/>
+              <a:t>способ получения потока данных из коллекции</a:t>
+            </a:r>
+            <a:r>
+              <a:rPr lang="ru-RU" dirty="0" smtClean="0"/>
+              <a:t>.</a:t>
+            </a:r>
+            <a:endParaRPr lang="ru-RU" dirty="0"/>
+          </a:p>
+          <a:p>
+            <a:pPr marL="0" indent="0">
+              <a:buNone/>
+            </a:pPr>
+            <a:r>
+              <a:rPr lang="ru-RU" dirty="0" smtClean="0"/>
+              <a:t>В JDK </a:t>
+            </a:r>
+            <a:r>
+              <a:rPr lang="ru-RU" dirty="0"/>
+              <a:t>8 интерфейс </a:t>
+            </a:r>
+            <a:r>
+              <a:rPr lang="ru-RU" dirty="0" smtClean="0"/>
+              <a:t>Collection </a:t>
+            </a:r>
+            <a:r>
+              <a:rPr lang="ru-RU" dirty="0"/>
+              <a:t>дополнен двумя </a:t>
+            </a:r>
+            <a:r>
+              <a:rPr lang="ru-RU" dirty="0" smtClean="0"/>
+              <a:t>методами:</a:t>
+            </a:r>
+          </a:p>
+          <a:p>
+            <a:pPr marL="0" indent="0">
+              <a:buNone/>
+            </a:pPr>
+            <a:endParaRPr lang="ru-RU" dirty="0" smtClean="0"/>
+          </a:p>
+          <a:p>
+            <a:pPr marL="0" indent="0">
+              <a:buNone/>
+            </a:pPr>
+            <a:r>
+              <a:rPr lang="en-US" dirty="0" smtClean="0">
+                <a:solidFill>
+                  <a:schemeClr val="accent1">
+                    <a:lumMod val="50000"/>
+                  </a:schemeClr>
+                </a:solidFill>
+              </a:rPr>
+              <a:t>default Stream&lt;E</a:t>
+            </a:r>
+            <a:r>
+              <a:rPr lang="en-US" dirty="0">
+                <a:solidFill>
+                  <a:schemeClr val="accent1">
+                    <a:lumMod val="50000"/>
+                  </a:schemeClr>
+                </a:solidFill>
+              </a:rPr>
+              <a:t>&gt; stream </a:t>
+            </a:r>
+            <a:r>
+              <a:rPr lang="ru-RU" dirty="0" smtClean="0">
+                <a:solidFill>
+                  <a:schemeClr val="accent1">
+                    <a:lumMod val="50000"/>
+                  </a:schemeClr>
+                </a:solidFill>
+              </a:rPr>
+              <a:t>()</a:t>
+            </a:r>
+          </a:p>
+          <a:p>
+            <a:pPr marL="0" indent="0">
+              <a:buNone/>
+            </a:pPr>
+            <a:r>
+              <a:rPr lang="en-US" dirty="0">
+                <a:solidFill>
+                  <a:schemeClr val="accent1">
+                    <a:lumMod val="50000"/>
+                  </a:schemeClr>
+                </a:solidFill>
+              </a:rPr>
+              <a:t>default Stream&lt;E&gt; </a:t>
+            </a:r>
+            <a:r>
+              <a:rPr lang="en-US" dirty="0" smtClean="0">
+                <a:solidFill>
+                  <a:schemeClr val="accent1">
+                    <a:lumMod val="50000"/>
+                  </a:schemeClr>
+                </a:solidFill>
+              </a:rPr>
+              <a:t>parallelStream</a:t>
+            </a:r>
+            <a:r>
+              <a:rPr lang="en-US" dirty="0">
+                <a:solidFill>
+                  <a:schemeClr val="accent1">
+                    <a:lumMod val="50000"/>
+                  </a:schemeClr>
+                </a:solidFill>
+              </a:rPr>
+              <a:t> </a:t>
+            </a:r>
+            <a:r>
+              <a:rPr lang="en-US" dirty="0" smtClean="0">
+                <a:solidFill>
+                  <a:schemeClr val="accent1">
+                    <a:lumMod val="50000"/>
+                  </a:schemeClr>
+                </a:solidFill>
+              </a:rPr>
+              <a:t>( </a:t>
+            </a:r>
+            <a:r>
+              <a:rPr lang="en-US" dirty="0">
+                <a:solidFill>
+                  <a:schemeClr val="accent1">
+                    <a:lumMod val="50000"/>
+                  </a:schemeClr>
+                </a:solidFill>
+              </a:rPr>
+              <a:t>)</a:t>
+            </a:r>
+            <a:endParaRPr lang="ru-RU" dirty="0">
+              <a:solidFill>
+                <a:schemeClr val="accent1">
+                  <a:lumMod val="50000"/>
+                </a:schemeClr>
+              </a:solidFill>
+            </a:endParaRPr>
+          </a:p>
+        </p:txBody>
+      </p:sp>
+    </p:spTree>
+    <p:extLst>
+      <p:ext uri="{BB962C8B-B14F-4D97-AF65-F5344CB8AC3E}">
+        <p14:creationId xmlns:p14="http://schemas.microsoft.com/office/powerpoint/2010/main" val="3761681374"/>
+      </p:ext>
+    </p:extLst>
+  </p:cSld>
+  <p:clrMapOvr>
+    <a:masterClrMapping/>
+  </p:clrMapOvr>
+</p:sld>
+</file>
+
+<file path=ppt/slides/slide23.xml><?xml version="1.0" encoding="utf-8"?>
+<p:sld xmlns:a="http://schemas.openxmlformats.org/drawingml/2006/main" xmlns:r="http://schemas.openxmlformats.org/officeDocument/2006/relationships" xmlns:p="http://schemas.openxmlformats.org/presentationml/2006/main">
+  <p:cSld>
+    <p:spTree>
+      <p:nvGrpSpPr>
+        <p:cNvPr id="1" name=""/>
+        <p:cNvGrpSpPr/>
+        <p:nvPr/>
+      </p:nvGrpSpPr>
+      <p:grpSpPr>
+        <a:xfrm>
+          <a:off x="0" y="0"/>
+          <a:ext cx="0" cy="0"/>
+          <a:chOff x="0" y="0"/>
+          <a:chExt cx="0" cy="0"/>
+        </a:xfrm>
+      </p:grpSpPr>
+      <p:graphicFrame>
+        <p:nvGraphicFramePr>
+          <p:cNvPr id="5" name="Content Placeholder 4"/>
+          <p:cNvGraphicFramePr>
+            <a:graphicFrameLocks noGrp="1"/>
+          </p:cNvGraphicFramePr>
+          <p:nvPr>
+            <p:ph idx="1"/>
+            <p:extLst>
+              <p:ext uri="{D42A27DB-BD31-4B8C-83A1-F6EECF244321}">
+                <p14:modId xmlns:p14="http://schemas.microsoft.com/office/powerpoint/2010/main" val="1071369779"/>
+              </p:ext>
+            </p:extLst>
+          </p:nvPr>
+        </p:nvGraphicFramePr>
+        <p:xfrm>
+          <a:off x="838200" y="541338"/>
+          <a:ext cx="10515600" cy="5681897"/>
+        </p:xfrm>
+        <a:graphic>
+          <a:graphicData uri="http://schemas.openxmlformats.org/drawingml/2006/table">
+            <a:tbl>
+              <a:tblPr firstRow="1" bandRow="1">
+                <a:tableStyleId>{5C22544A-7EE6-4342-B048-85BDC9FD1C3A}</a:tableStyleId>
+              </a:tblPr>
+              <a:tblGrid>
+                <a:gridCol w="3386070"/>
+                <a:gridCol w="7129530"/>
+              </a:tblGrid>
+              <a:tr h="363305">
+                <a:tc>
+                  <a:txBody>
+                    <a:bodyPr/>
+                    <a:lstStyle/>
+                    <a:p>
+                      <a:r>
+                        <a:rPr lang="ru-RU" sz="1600" dirty="0" smtClean="0"/>
+                        <a:t>Метод</a:t>
+                      </a:r>
+                      <a:endParaRPr lang="en-US" sz="1600" dirty="0"/>
+                    </a:p>
+                  </a:txBody>
+                  <a:tcPr/>
+                </a:tc>
+                <a:tc>
+                  <a:txBody>
+                    <a:bodyPr/>
+                    <a:lstStyle/>
+                    <a:p>
+                      <a:r>
+                        <a:rPr lang="ru-RU" sz="1600" dirty="0" smtClean="0"/>
+                        <a:t>Описание</a:t>
+                      </a:r>
+                      <a:endParaRPr lang="en-US" sz="1600" dirty="0"/>
+                    </a:p>
+                  </a:txBody>
+                  <a:tcPr/>
+                </a:tc>
+              </a:tr>
+              <a:tr h="746592">
+                <a:tc>
+                  <a:txBody>
+                    <a:bodyPr/>
+                    <a:lstStyle/>
+                    <a:p>
+                      <a:r>
+                        <a:rPr lang="en-US" sz="1800" dirty="0" smtClean="0"/>
+                        <a:t>long </a:t>
+                      </a:r>
+                      <a:r>
+                        <a:rPr lang="en-US" sz="1800" b="1" dirty="0" smtClean="0"/>
+                        <a:t>count</a:t>
+                      </a:r>
+                      <a:r>
+                        <a:rPr lang="en-US" sz="1800" dirty="0" smtClean="0"/>
+                        <a:t>()</a:t>
+                      </a:r>
+                      <a:endParaRPr lang="en-US" sz="1800" dirty="0"/>
+                    </a:p>
+                  </a:txBody>
+                  <a:tcPr/>
+                </a:tc>
+                <a:tc>
+                  <a:txBody>
+                    <a:bodyPr/>
+                    <a:lstStyle/>
+                    <a:p>
+                      <a:r>
+                        <a:rPr lang="ru-RU" sz="1800" dirty="0" smtClean="0"/>
+                        <a:t>Подсчитывает</a:t>
+                      </a:r>
+                      <a:r>
+                        <a:rPr lang="ru-RU" sz="1800" baseline="0" dirty="0" smtClean="0"/>
+                        <a:t> количество элементов в потоке данных и возвращает результат. Это </a:t>
+                      </a:r>
+                      <a:r>
+                        <a:rPr lang="ru-RU" sz="1800" baseline="0" dirty="0" smtClean="0">
+                          <a:solidFill>
+                            <a:srgbClr val="FF0000"/>
+                          </a:solidFill>
+                        </a:rPr>
+                        <a:t>оконечная</a:t>
+                      </a:r>
+                      <a:r>
+                        <a:rPr lang="ru-RU" sz="1800" baseline="0" dirty="0" smtClean="0">
+                          <a:solidFill>
+                            <a:schemeClr val="accent1">
+                              <a:lumMod val="75000"/>
+                            </a:schemeClr>
+                          </a:solidFill>
+                        </a:rPr>
+                        <a:t> </a:t>
+                      </a:r>
+                      <a:r>
+                        <a:rPr lang="ru-RU" sz="1800" baseline="0" dirty="0" smtClean="0"/>
+                        <a:t>операция. </a:t>
+                      </a:r>
+                      <a:endParaRPr lang="en-US" sz="1800" dirty="0"/>
+                    </a:p>
+                  </a:txBody>
+                  <a:tcPr/>
+                </a:tc>
+              </a:tr>
+              <a:tr h="895822">
+                <a:tc>
+                  <a:txBody>
+                    <a:bodyPr/>
+                    <a:lstStyle/>
+                    <a:p>
+                      <a:r>
+                        <a:rPr lang="en-US" sz="1800" dirty="0" smtClean="0"/>
+                        <a:t>Stream&lt;T&gt;</a:t>
+                      </a:r>
+                      <a:r>
+                        <a:rPr lang="en-US" sz="1800" baseline="0" dirty="0" smtClean="0"/>
+                        <a:t> </a:t>
+                      </a:r>
+                      <a:r>
+                        <a:rPr lang="en-US" sz="1800" b="1" baseline="0" dirty="0" smtClean="0"/>
+                        <a:t>filter</a:t>
+                      </a:r>
+                      <a:r>
+                        <a:rPr lang="en-US" sz="1800" b="0" baseline="0" dirty="0" smtClean="0"/>
+                        <a:t>(Predicate</a:t>
+                      </a:r>
+                      <a:r>
+                        <a:rPr lang="en-US" sz="1800" baseline="0" dirty="0" smtClean="0"/>
+                        <a:t>&lt;? super T&gt; predicate)</a:t>
+                      </a:r>
+                      <a:endParaRPr lang="en-US" sz="1800" dirty="0"/>
+                    </a:p>
+                  </a:txBody>
+                  <a:tcPr/>
+                </a:tc>
+                <a:tc>
+                  <a:txBody>
+                    <a:bodyPr/>
+                    <a:lstStyle/>
+                    <a:p>
+                      <a:r>
+                        <a:rPr lang="ru-RU" sz="1800" dirty="0" smtClean="0"/>
+                        <a:t>Производит</a:t>
+                      </a:r>
+                      <a:r>
+                        <a:rPr lang="ru-RU" sz="1800" baseline="0" dirty="0" smtClean="0"/>
+                        <a:t> поток данных, содержащий те элементы из вызывающего потока данных, которые удовлетворяют указанному </a:t>
+                      </a:r>
+                      <a:r>
+                        <a:rPr lang="ru-RU" sz="1800" baseline="0" dirty="0" smtClean="0">
+                          <a:solidFill>
+                            <a:srgbClr val="FF0000"/>
+                          </a:solidFill>
+                        </a:rPr>
+                        <a:t>предикату</a:t>
+                      </a:r>
+                      <a:r>
+                        <a:rPr lang="ru-RU" sz="1800" baseline="0" dirty="0" smtClean="0"/>
+                        <a:t>. Это </a:t>
+                      </a:r>
+                      <a:r>
+                        <a:rPr lang="ru-RU" sz="1800" baseline="0" dirty="0" smtClean="0">
+                          <a:solidFill>
+                            <a:srgbClr val="FF0000"/>
+                          </a:solidFill>
+                        </a:rPr>
+                        <a:t>промежуточная </a:t>
+                      </a:r>
+                      <a:r>
+                        <a:rPr lang="ru-RU" sz="1800" baseline="0" dirty="0" smtClean="0"/>
+                        <a:t>операция.</a:t>
+                      </a:r>
+                      <a:endParaRPr lang="en-US" sz="1800" dirty="0"/>
+                    </a:p>
+                  </a:txBody>
+                  <a:tcPr/>
+                </a:tc>
+              </a:tr>
+              <a:tr h="895822">
+                <a:tc>
+                  <a:txBody>
+                    <a:bodyPr/>
+                    <a:lstStyle/>
+                    <a:p>
+                      <a:r>
+                        <a:rPr lang="en-US" sz="1800" dirty="0" smtClean="0"/>
+                        <a:t>&lt;R&gt;</a:t>
+                      </a:r>
+                      <a:r>
+                        <a:rPr lang="en-US" sz="1800" baseline="0" dirty="0" smtClean="0"/>
+                        <a:t> Stream&lt;R&gt; </a:t>
+                      </a:r>
+                      <a:r>
+                        <a:rPr lang="en-US" sz="1800" b="1" baseline="0" dirty="0" smtClean="0"/>
+                        <a:t>map</a:t>
+                      </a:r>
+                      <a:r>
+                        <a:rPr lang="en-US" sz="1800" baseline="0" dirty="0" smtClean="0"/>
+                        <a:t>(&lt;Function&lt;? super T, ? extends R&gt; map)</a:t>
+                      </a:r>
+                      <a:endParaRPr lang="en-US" sz="1800" dirty="0"/>
+                    </a:p>
+                  </a:txBody>
+                  <a:tcPr/>
+                </a:tc>
+                <a:tc>
+                  <a:txBody>
+                    <a:bodyPr/>
+                    <a:lstStyle/>
+                    <a:p>
+                      <a:r>
+                        <a:rPr lang="ru-RU" sz="1800" dirty="0" smtClean="0"/>
+                        <a:t>Применяет</a:t>
+                      </a:r>
+                      <a:r>
+                        <a:rPr lang="ru-RU" sz="1800" baseline="0" dirty="0" smtClean="0"/>
+                        <a:t> указанную функцию к элементам из вызывающего потока данных, производя новый поток данных, содержащий эти элементы. Это </a:t>
+                      </a:r>
+                      <a:r>
+                        <a:rPr lang="ru-RU" sz="1800" baseline="0" dirty="0" smtClean="0">
+                          <a:solidFill>
+                            <a:srgbClr val="FF0000"/>
+                          </a:solidFill>
+                        </a:rPr>
+                        <a:t>промежуточная </a:t>
+                      </a:r>
+                      <a:r>
+                        <a:rPr lang="ru-RU" sz="1800" baseline="0" dirty="0" smtClean="0"/>
+                        <a:t>операция.</a:t>
+                      </a:r>
+                      <a:endParaRPr lang="en-US" sz="1800" dirty="0"/>
+                    </a:p>
+                  </a:txBody>
+                  <a:tcPr/>
+                </a:tc>
+              </a:tr>
+              <a:tr h="627075">
+                <a:tc>
+                  <a:txBody>
+                    <a:bodyPr/>
+                    <a:lstStyle/>
+                    <a:p>
+                      <a:r>
+                        <a:rPr lang="en-US" sz="1800" dirty="0" smtClean="0"/>
+                        <a:t>void</a:t>
+                      </a:r>
+                      <a:r>
+                        <a:rPr lang="en-US" sz="1800" baseline="0" dirty="0" smtClean="0"/>
+                        <a:t> </a:t>
+                      </a:r>
+                      <a:r>
+                        <a:rPr lang="en-US" sz="1800" b="1" baseline="0" dirty="0" smtClean="0"/>
+                        <a:t>forEach</a:t>
+                      </a:r>
+                      <a:r>
+                        <a:rPr lang="en-US" sz="1800" b="0" baseline="0" dirty="0" smtClean="0"/>
+                        <a:t>(Consumer&lt;? super T&gt; action)</a:t>
+                      </a:r>
+                      <a:endParaRPr lang="en-US" sz="1800" b="1" dirty="0"/>
+                    </a:p>
+                  </a:txBody>
+                  <a:tcPr/>
+                </a:tc>
+                <a:tc>
+                  <a:txBody>
+                    <a:bodyPr/>
+                    <a:lstStyle/>
+                    <a:p>
+                      <a:pPr marL="0" marR="0" indent="0" algn="l" defTabSz="914400" rtl="0" eaLnBrk="1" fontAlgn="auto" latinLnBrk="0" hangingPunct="1">
+                        <a:lnSpc>
+                          <a:spcPct val="100000"/>
+                        </a:lnSpc>
+                        <a:spcBef>
+                          <a:spcPts val="0"/>
+                        </a:spcBef>
+                        <a:spcAft>
+                          <a:spcPts val="0"/>
+                        </a:spcAft>
+                        <a:buClrTx/>
+                        <a:buSzTx/>
+                        <a:buFontTx/>
+                        <a:buNone/>
+                        <a:tabLst/>
+                        <a:defRPr/>
+                      </a:pPr>
+                      <a:r>
+                        <a:rPr lang="ru-RU" sz="1800" dirty="0" smtClean="0"/>
+                        <a:t>Выполняет</a:t>
+                      </a:r>
+                      <a:r>
+                        <a:rPr lang="ru-RU" sz="1800" baseline="0" dirty="0" smtClean="0"/>
+                        <a:t> код, обозначаемый указанным действием, для каждого элемента из вызывающего потока данных. Это </a:t>
+                      </a:r>
+                      <a:r>
+                        <a:rPr lang="ru-RU" sz="1800" baseline="0" dirty="0" smtClean="0">
+                          <a:solidFill>
+                            <a:srgbClr val="FF0000"/>
+                          </a:solidFill>
+                        </a:rPr>
+                        <a:t>оконечная</a:t>
+                      </a:r>
+                      <a:r>
+                        <a:rPr lang="ru-RU" sz="1800" baseline="0" dirty="0" smtClean="0">
+                          <a:solidFill>
+                            <a:schemeClr val="accent1">
+                              <a:lumMod val="75000"/>
+                            </a:schemeClr>
+                          </a:solidFill>
+                        </a:rPr>
+                        <a:t> </a:t>
+                      </a:r>
+                      <a:r>
+                        <a:rPr lang="ru-RU" sz="1800" baseline="0" dirty="0" smtClean="0"/>
+                        <a:t>операция. </a:t>
+                      </a:r>
+                      <a:endParaRPr lang="en-US" sz="1800" dirty="0" smtClean="0"/>
+                    </a:p>
+                  </a:txBody>
+                  <a:tcPr/>
+                </a:tc>
+              </a:tr>
+              <a:tr h="895822">
+                <a:tc>
+                  <a:txBody>
+                    <a:bodyPr/>
+                    <a:lstStyle/>
+                    <a:p>
+                      <a:r>
+                        <a:rPr lang="en-US" sz="1800" dirty="0" smtClean="0"/>
+                        <a:t>Optional&lt;T&gt;</a:t>
+                      </a:r>
+                      <a:r>
+                        <a:rPr lang="en-US" sz="1800" baseline="0" dirty="0" smtClean="0"/>
+                        <a:t> </a:t>
+                      </a:r>
+                      <a:r>
+                        <a:rPr lang="en-US" sz="1800" b="1" baseline="0" dirty="0" smtClean="0"/>
+                        <a:t>max</a:t>
+                      </a:r>
+                      <a:r>
+                        <a:rPr lang="en-US" sz="1800" baseline="0" dirty="0" smtClean="0"/>
+                        <a:t> (Comparator&lt;? super T&gt; comparator)</a:t>
+                      </a:r>
+                      <a:endParaRPr lang="en-US" sz="1800" dirty="0"/>
+                    </a:p>
+                  </a:txBody>
+                  <a:tcPr/>
+                </a:tc>
+                <a:tc>
+                  <a:txBody>
+                    <a:bodyPr/>
+                    <a:lstStyle/>
+                    <a:p>
+                      <a:pPr marL="0" marR="0" indent="0" algn="l" defTabSz="914400" rtl="0" eaLnBrk="1" fontAlgn="auto" latinLnBrk="0" hangingPunct="1">
+                        <a:lnSpc>
+                          <a:spcPct val="100000"/>
+                        </a:lnSpc>
+                        <a:spcBef>
+                          <a:spcPts val="0"/>
+                        </a:spcBef>
+                        <a:spcAft>
+                          <a:spcPts val="0"/>
+                        </a:spcAft>
+                        <a:buClrTx/>
+                        <a:buSzTx/>
+                        <a:buFontTx/>
+                        <a:buNone/>
+                        <a:tabLst/>
+                        <a:defRPr/>
+                      </a:pPr>
+                      <a:r>
+                        <a:rPr lang="ru-RU" sz="1800" dirty="0" smtClean="0"/>
+                        <a:t>Обнаруживает</a:t>
+                      </a:r>
+                      <a:r>
+                        <a:rPr lang="ru-RU" sz="1800" baseline="0" dirty="0" smtClean="0"/>
+                        <a:t> и возвращает максимальный элемент в вызывающем потоке данных, использую упорядочивание, определяемое указанным </a:t>
+                      </a:r>
+                      <a:r>
+                        <a:rPr lang="ru-RU" sz="1800" baseline="0" dirty="0" smtClean="0">
+                          <a:solidFill>
+                            <a:srgbClr val="FF0000"/>
+                          </a:solidFill>
+                        </a:rPr>
+                        <a:t>компаратором</a:t>
+                      </a:r>
+                      <a:r>
+                        <a:rPr lang="ru-RU" sz="1800" baseline="0" dirty="0" smtClean="0"/>
+                        <a:t>. Это </a:t>
+                      </a:r>
+                      <a:r>
+                        <a:rPr lang="ru-RU" sz="1800" baseline="0" dirty="0" smtClean="0">
+                          <a:solidFill>
+                            <a:srgbClr val="FF0000"/>
+                          </a:solidFill>
+                        </a:rPr>
+                        <a:t>оконечная</a:t>
+                      </a:r>
+                      <a:r>
+                        <a:rPr lang="ru-RU" sz="1800" baseline="0" dirty="0" smtClean="0">
+                          <a:solidFill>
+                            <a:schemeClr val="accent1">
+                              <a:lumMod val="75000"/>
+                            </a:schemeClr>
+                          </a:solidFill>
+                        </a:rPr>
+                        <a:t> </a:t>
+                      </a:r>
+                      <a:r>
+                        <a:rPr lang="ru-RU" sz="1800" baseline="0" dirty="0" smtClean="0"/>
+                        <a:t>операция. </a:t>
+                      </a:r>
+                      <a:endParaRPr lang="en-US" sz="1800" dirty="0" smtClean="0"/>
+                    </a:p>
+                  </a:txBody>
+                  <a:tcPr/>
+                </a:tc>
+              </a:tr>
+              <a:tr h="1164568">
+                <a:tc>
+                  <a:txBody>
+                    <a:bodyPr/>
+                    <a:lstStyle/>
+                    <a:p>
+                      <a:pPr marL="0" marR="0" indent="0" algn="l" defTabSz="914400" rtl="0" eaLnBrk="1" fontAlgn="auto" latinLnBrk="0" hangingPunct="1">
+                        <a:lnSpc>
+                          <a:spcPct val="100000"/>
+                        </a:lnSpc>
+                        <a:spcBef>
+                          <a:spcPts val="0"/>
+                        </a:spcBef>
+                        <a:spcAft>
+                          <a:spcPts val="0"/>
+                        </a:spcAft>
+                        <a:buClrTx/>
+                        <a:buSzTx/>
+                        <a:buFontTx/>
+                        <a:buNone/>
+                        <a:tabLst/>
+                        <a:defRPr/>
+                      </a:pPr>
+                      <a:r>
+                        <a:rPr lang="en-US" sz="1800" dirty="0" smtClean="0"/>
+                        <a:t>Optional&lt;T&gt;</a:t>
+                      </a:r>
+                      <a:r>
+                        <a:rPr lang="en-US" sz="1800" baseline="0" dirty="0" smtClean="0"/>
+                        <a:t> </a:t>
+                      </a:r>
+                      <a:r>
+                        <a:rPr lang="en-US" sz="1800" b="1" baseline="0" dirty="0" smtClean="0"/>
+                        <a:t>min</a:t>
+                      </a:r>
+                      <a:r>
+                        <a:rPr lang="en-US" sz="1800" baseline="0" dirty="0" smtClean="0"/>
+                        <a:t>(Comparator&lt;? super T&gt; comparator)</a:t>
+                      </a:r>
+                      <a:endParaRPr lang="en-US" sz="1800" dirty="0" smtClean="0"/>
+                    </a:p>
+                    <a:p>
+                      <a:endParaRPr lang="en-US" sz="1800" dirty="0"/>
+                    </a:p>
+                  </a:txBody>
+                  <a:tcPr/>
+                </a:tc>
+                <a:tc>
+                  <a:txBody>
+                    <a:bodyPr/>
+                    <a:lstStyle/>
+                    <a:p>
+                      <a:pPr marL="0" marR="0" indent="0" algn="l" defTabSz="914400" rtl="0" eaLnBrk="1" fontAlgn="auto" latinLnBrk="0" hangingPunct="1">
+                        <a:lnSpc>
+                          <a:spcPct val="100000"/>
+                        </a:lnSpc>
+                        <a:spcBef>
+                          <a:spcPts val="0"/>
+                        </a:spcBef>
+                        <a:spcAft>
+                          <a:spcPts val="0"/>
+                        </a:spcAft>
+                        <a:buClrTx/>
+                        <a:buSzTx/>
+                        <a:buFontTx/>
+                        <a:buNone/>
+                        <a:tabLst/>
+                        <a:defRPr/>
+                      </a:pPr>
+                      <a:r>
+                        <a:rPr lang="ru-RU" sz="1800" dirty="0" smtClean="0"/>
+                        <a:t>Обнаруживает</a:t>
+                      </a:r>
+                      <a:r>
+                        <a:rPr lang="ru-RU" sz="1800" baseline="0" dirty="0" smtClean="0"/>
+                        <a:t> и возвращает минимальный элемент в вызывающем потоке данных, использую упорядочивание, определяемое указанным </a:t>
+                      </a:r>
+                      <a:r>
+                        <a:rPr lang="ru-RU" sz="1800" baseline="0" dirty="0" smtClean="0">
+                          <a:solidFill>
+                            <a:srgbClr val="FF0000"/>
+                          </a:solidFill>
+                        </a:rPr>
+                        <a:t>компаратором</a:t>
+                      </a:r>
+                      <a:r>
+                        <a:rPr lang="ru-RU" sz="1800" baseline="0" dirty="0" smtClean="0"/>
+                        <a:t>. Это </a:t>
+                      </a:r>
+                      <a:r>
+                        <a:rPr lang="ru-RU" sz="1800" baseline="0" dirty="0" smtClean="0">
+                          <a:solidFill>
+                            <a:srgbClr val="FF0000"/>
+                          </a:solidFill>
+                        </a:rPr>
+                        <a:t>оконечная</a:t>
+                      </a:r>
+                      <a:r>
+                        <a:rPr lang="ru-RU" sz="1800" baseline="0" dirty="0" smtClean="0">
+                          <a:solidFill>
+                            <a:schemeClr val="accent1">
+                              <a:lumMod val="75000"/>
+                            </a:schemeClr>
+                          </a:solidFill>
+                        </a:rPr>
+                        <a:t> </a:t>
+                      </a:r>
+                      <a:r>
+                        <a:rPr lang="ru-RU" sz="1800" baseline="0" dirty="0" smtClean="0"/>
+                        <a:t>операция. </a:t>
+                      </a:r>
+                      <a:endParaRPr lang="en-US" sz="1800" dirty="0" smtClean="0"/>
+                    </a:p>
+                    <a:p>
+                      <a:endParaRPr lang="en-US" sz="1800" dirty="0"/>
+                    </a:p>
+                  </a:txBody>
+                  <a:tcPr/>
+                </a:tc>
+              </a:tr>
+            </a:tbl>
+          </a:graphicData>
+        </a:graphic>
+      </p:graphicFrame>
+    </p:spTree>
+    <p:extLst>
+      <p:ext uri="{BB962C8B-B14F-4D97-AF65-F5344CB8AC3E}">
+        <p14:creationId xmlns:p14="http://schemas.microsoft.com/office/powerpoint/2010/main" val="4236638116"/>
+      </p:ext>
+    </p:extLst>
+  </p:cSld>
+  <p:clrMapOvr>
+    <a:masterClrMapping/>
+  </p:clrMapOvr>
+</p:sld>
+</file>
+
+<file path=ppt/slides/slide24.xml><?xml version="1.0" encoding="utf-8"?>
+<p:sld xmlns:a="http://schemas.openxmlformats.org/drawingml/2006/main" xmlns:r="http://schemas.openxmlformats.org/officeDocument/2006/relationships" xmlns:p="http://schemas.openxmlformats.org/presentationml/2006/main">
+  <p:cSld>
+    <p:spTree>
+      <p:nvGrpSpPr>
+        <p:cNvPr id="1" name=""/>
+        <p:cNvGrpSpPr/>
+        <p:nvPr/>
+      </p:nvGrpSpPr>
+      <p:grpSpPr>
+        <a:xfrm>
+          <a:off x="0" y="0"/>
+          <a:ext cx="0" cy="0"/>
+          <a:chOff x="0" y="0"/>
+          <a:chExt cx="0" cy="0"/>
+        </a:xfrm>
+      </p:grpSpPr>
+      <p:graphicFrame>
+        <p:nvGraphicFramePr>
+          <p:cNvPr id="4" name="Content Placeholder 3"/>
+          <p:cNvGraphicFramePr>
+            <a:graphicFrameLocks noGrp="1"/>
+          </p:cNvGraphicFramePr>
+          <p:nvPr>
+            <p:ph idx="1"/>
+            <p:extLst>
+              <p:ext uri="{D42A27DB-BD31-4B8C-83A1-F6EECF244321}">
+                <p14:modId xmlns:p14="http://schemas.microsoft.com/office/powerpoint/2010/main" val="1135021227"/>
+              </p:ext>
+            </p:extLst>
+          </p:nvPr>
+        </p:nvGraphicFramePr>
+        <p:xfrm>
+          <a:off x="838200" y="695325"/>
+          <a:ext cx="10515600" cy="4668520"/>
+        </p:xfrm>
+        <a:graphic>
+          <a:graphicData uri="http://schemas.openxmlformats.org/drawingml/2006/table">
+            <a:tbl>
+              <a:tblPr firstRow="1" bandRow="1">
+                <a:tableStyleId>{5C22544A-7EE6-4342-B048-85BDC9FD1C3A}</a:tableStyleId>
+              </a:tblPr>
+              <a:tblGrid>
+                <a:gridCol w="4184561"/>
+                <a:gridCol w="6331039"/>
+              </a:tblGrid>
+              <a:tr h="370840">
+                <a:tc>
+                  <a:txBody>
+                    <a:bodyPr/>
+                    <a:lstStyle/>
+                    <a:p>
+                      <a:r>
+                        <a:rPr lang="ru-RU" sz="1600" dirty="0" smtClean="0"/>
+                        <a:t>Метод</a:t>
+                      </a:r>
+                      <a:endParaRPr lang="en-US" sz="1600" dirty="0"/>
+                    </a:p>
+                  </a:txBody>
+                  <a:tcPr/>
+                </a:tc>
+                <a:tc>
+                  <a:txBody>
+                    <a:bodyPr/>
+                    <a:lstStyle/>
+                    <a:p>
+                      <a:r>
+                        <a:rPr lang="ru-RU" sz="1600" dirty="0" smtClean="0"/>
+                        <a:t>Описание</a:t>
+                      </a:r>
+                      <a:endParaRPr lang="en-US" sz="1600" dirty="0"/>
+                    </a:p>
+                  </a:txBody>
+                  <a:tcPr/>
+                </a:tc>
+              </a:tr>
+              <a:tr h="370840">
+                <a:tc>
+                  <a:txBody>
+                    <a:bodyPr/>
+                    <a:lstStyle/>
+                    <a:p>
+                      <a:r>
+                        <a:rPr lang="en-US" dirty="0" smtClean="0"/>
+                        <a:t>Stream&lt;T&gt;</a:t>
+                      </a:r>
+                      <a:r>
+                        <a:rPr lang="en-US" baseline="0" dirty="0" smtClean="0"/>
+                        <a:t> </a:t>
+                      </a:r>
+                      <a:r>
+                        <a:rPr lang="en-US" b="1" baseline="0" dirty="0" smtClean="0"/>
+                        <a:t>sorted</a:t>
+                      </a:r>
+                      <a:r>
+                        <a:rPr lang="en-US" baseline="0" dirty="0" smtClean="0"/>
+                        <a:t>()</a:t>
+                      </a:r>
+                      <a:endParaRPr lang="en-US" dirty="0"/>
+                    </a:p>
+                  </a:txBody>
+                  <a:tcPr/>
+                </a:tc>
+                <a:tc>
+                  <a:txBody>
+                    <a:bodyPr/>
+                    <a:lstStyle/>
+                    <a:p>
+                      <a:r>
+                        <a:rPr lang="ru-RU" dirty="0" smtClean="0"/>
+                        <a:t>Производит</a:t>
+                      </a:r>
+                      <a:r>
+                        <a:rPr lang="ru-RU" baseline="0" dirty="0" smtClean="0"/>
+                        <a:t> новый поток данных, содержащий элементы из вызывающего потока данных, отсортированные в естественном порядке. Это </a:t>
+                      </a:r>
+                      <a:r>
+                        <a:rPr lang="ru-RU" baseline="0" dirty="0" smtClean="0">
+                          <a:solidFill>
+                            <a:srgbClr val="FF0000"/>
+                          </a:solidFill>
+                        </a:rPr>
+                        <a:t>промежуточная </a:t>
+                      </a:r>
+                      <a:r>
+                        <a:rPr lang="ru-RU" baseline="0" dirty="0" smtClean="0"/>
+                        <a:t>операция.</a:t>
+                      </a:r>
+                      <a:endParaRPr lang="en-US" dirty="0"/>
+                    </a:p>
+                  </a:txBody>
+                  <a:tcPr/>
+                </a:tc>
+              </a:tr>
+              <a:tr h="370840">
+                <a:tc>
+                  <a:txBody>
+                    <a:bodyPr/>
+                    <a:lstStyle/>
+                    <a:p>
+                      <a:r>
+                        <a:rPr lang="en-US" sz="1800" b="0" kern="1200" dirty="0" smtClean="0">
+                          <a:solidFill>
+                            <a:schemeClr val="dk1"/>
+                          </a:solidFill>
+                          <a:latin typeface="+mn-lt"/>
+                          <a:ea typeface="+mn-ea"/>
+                          <a:cs typeface="+mn-cs"/>
+                        </a:rPr>
+                        <a:t>Stream&lt;T&gt; </a:t>
+                      </a:r>
+                      <a:r>
+                        <a:rPr lang="en-US" sz="1800" b="1" kern="1200" dirty="0" smtClean="0">
+                          <a:solidFill>
+                            <a:schemeClr val="dk1"/>
+                          </a:solidFill>
+                          <a:latin typeface="+mn-lt"/>
+                          <a:ea typeface="+mn-ea"/>
+                          <a:cs typeface="+mn-cs"/>
+                        </a:rPr>
+                        <a:t>sorted</a:t>
+                      </a:r>
+                      <a:r>
+                        <a:rPr lang="en-US" sz="1800" b="0" kern="1200" dirty="0" smtClean="0">
+                          <a:solidFill>
+                            <a:schemeClr val="dk1"/>
+                          </a:solidFill>
+                          <a:latin typeface="+mn-lt"/>
+                          <a:ea typeface="+mn-ea"/>
+                          <a:cs typeface="+mn-cs"/>
+                        </a:rPr>
+                        <a:t>(Comparator&lt;? super T&gt; comparator)</a:t>
+                      </a:r>
+                      <a:endParaRPr lang="en-US" b="0" dirty="0"/>
+                    </a:p>
+                  </a:txBody>
+                  <a:tcPr/>
+                </a:tc>
+                <a:tc>
+                  <a:txBody>
+                    <a:bodyPr/>
+                    <a:lstStyle/>
+                    <a:p>
+                      <a:pPr marL="0" marR="0" indent="0" algn="l" defTabSz="914400" rtl="0" eaLnBrk="1" fontAlgn="auto" latinLnBrk="0" hangingPunct="1">
+                        <a:lnSpc>
+                          <a:spcPct val="100000"/>
+                        </a:lnSpc>
+                        <a:spcBef>
+                          <a:spcPts val="0"/>
+                        </a:spcBef>
+                        <a:spcAft>
+                          <a:spcPts val="0"/>
+                        </a:spcAft>
+                        <a:buClrTx/>
+                        <a:buSzTx/>
+                        <a:buFontTx/>
+                        <a:buNone/>
+                        <a:tabLst/>
+                        <a:defRPr/>
+                      </a:pPr>
+                      <a:r>
+                        <a:rPr lang="ru-RU" dirty="0" smtClean="0"/>
+                        <a:t>Производит</a:t>
+                      </a:r>
+                      <a:r>
+                        <a:rPr lang="ru-RU" baseline="0" dirty="0" smtClean="0"/>
+                        <a:t> новый поток данных, содержащий элементы из вызывающего потока данных, отсортированные</a:t>
+                      </a:r>
+                      <a:r>
+                        <a:rPr lang="en-US" baseline="0" dirty="0" smtClean="0"/>
+                        <a:t> </a:t>
+                      </a:r>
+                      <a:r>
+                        <a:rPr lang="ru-RU" baseline="0" dirty="0" smtClean="0"/>
+                        <a:t>в соответствии с реализованным компаратором. Это </a:t>
+                      </a:r>
+                      <a:r>
+                        <a:rPr lang="ru-RU" baseline="0" dirty="0" smtClean="0">
+                          <a:solidFill>
+                            <a:srgbClr val="FF0000"/>
+                          </a:solidFill>
+                        </a:rPr>
+                        <a:t>промежуточная </a:t>
+                      </a:r>
+                      <a:r>
+                        <a:rPr lang="ru-RU" baseline="0" dirty="0" smtClean="0"/>
+                        <a:t>операция.</a:t>
+                      </a:r>
+                      <a:endParaRPr lang="en-US" dirty="0" smtClean="0"/>
+                    </a:p>
+                  </a:txBody>
+                  <a:tcPr/>
+                </a:tc>
+              </a:tr>
+              <a:tr h="370840">
+                <a:tc>
+                  <a:txBody>
+                    <a:bodyPr/>
+                    <a:lstStyle/>
+                    <a:p>
+                      <a:r>
+                        <a:rPr lang="en-US" dirty="0" smtClean="0"/>
+                        <a:t>Object[] </a:t>
+                      </a:r>
+                      <a:r>
+                        <a:rPr lang="en-US" b="1" dirty="0" smtClean="0"/>
+                        <a:t>toArray</a:t>
+                      </a:r>
+                      <a:r>
+                        <a:rPr lang="en-US" dirty="0" smtClean="0"/>
+                        <a:t>()</a:t>
+                      </a:r>
+                      <a:endParaRPr lang="en-US" dirty="0"/>
+                    </a:p>
+                  </a:txBody>
+                  <a:tcPr/>
+                </a:tc>
+                <a:tc>
+                  <a:txBody>
+                    <a:bodyPr/>
+                    <a:lstStyle/>
+                    <a:p>
+                      <a:r>
+                        <a:rPr lang="ru-RU" dirty="0" smtClean="0"/>
+                        <a:t>Создает</a:t>
+                      </a:r>
+                      <a:r>
+                        <a:rPr lang="ru-RU" baseline="0" dirty="0" smtClean="0"/>
+                        <a:t> массив из элементов в вызывающем потоке данных. Это </a:t>
+                      </a:r>
+                      <a:r>
+                        <a:rPr lang="ru-RU" baseline="0" dirty="0" smtClean="0">
+                          <a:solidFill>
+                            <a:srgbClr val="FF0000"/>
+                          </a:solidFill>
+                        </a:rPr>
+                        <a:t>оконечная </a:t>
+                      </a:r>
+                      <a:r>
+                        <a:rPr lang="ru-RU" baseline="0" dirty="0" smtClean="0"/>
+                        <a:t>операция. </a:t>
+                      </a:r>
+                      <a:endParaRPr lang="en-US" dirty="0"/>
+                    </a:p>
+                  </a:txBody>
+                  <a:tcPr/>
+                </a:tc>
+              </a:tr>
+              <a:tr h="370840">
+                <a:tc>
+                  <a:txBody>
+                    <a:bodyPr/>
+                    <a:lstStyle/>
+                    <a:p>
+                      <a:r>
+                        <a:rPr lang="en-US" dirty="0" smtClean="0"/>
+                        <a:t>Optional&lt;T&gt;</a:t>
+                      </a:r>
+                      <a:r>
+                        <a:rPr lang="en-US" baseline="0" dirty="0" smtClean="0"/>
+                        <a:t> </a:t>
+                      </a:r>
+                      <a:r>
+                        <a:rPr lang="en-US" b="1" baseline="0" dirty="0" smtClean="0">
+                          <a:solidFill>
+                            <a:schemeClr val="tx1"/>
+                          </a:solidFill>
+                        </a:rPr>
+                        <a:t>reduce</a:t>
+                      </a:r>
+                      <a:r>
+                        <a:rPr lang="en-US" baseline="0" dirty="0" smtClean="0">
+                          <a:solidFill>
+                            <a:schemeClr val="accent1">
+                              <a:lumMod val="75000"/>
+                            </a:schemeClr>
+                          </a:solidFill>
+                        </a:rPr>
+                        <a:t> </a:t>
+                      </a:r>
+                      <a:r>
+                        <a:rPr lang="en-US" baseline="0" dirty="0" smtClean="0"/>
+                        <a:t>(BinaryOperator &lt;T&gt; accumulator)</a:t>
+                      </a:r>
+                      <a:endParaRPr lang="en-US" dirty="0"/>
+                    </a:p>
+                  </a:txBody>
+                  <a:tcPr/>
+                </a:tc>
+                <a:tc>
+                  <a:txBody>
+                    <a:bodyPr/>
+                    <a:lstStyle/>
+                    <a:p>
+                      <a:pPr marL="0" marR="0" indent="0" algn="l" defTabSz="914400" rtl="0" eaLnBrk="1" fontAlgn="auto" latinLnBrk="0" hangingPunct="1">
+                        <a:lnSpc>
+                          <a:spcPct val="100000"/>
+                        </a:lnSpc>
+                        <a:spcBef>
+                          <a:spcPts val="0"/>
+                        </a:spcBef>
+                        <a:spcAft>
+                          <a:spcPts val="0"/>
+                        </a:spcAft>
+                        <a:buClrTx/>
+                        <a:buSzTx/>
+                        <a:buFontTx/>
+                        <a:buNone/>
+                        <a:tabLst/>
+                        <a:defRPr/>
+                      </a:pPr>
+                      <a:r>
+                        <a:rPr lang="ru-RU" sz="1800" b="0" i="0" kern="1200" dirty="0" smtClean="0">
+                          <a:solidFill>
+                            <a:schemeClr val="dk1"/>
+                          </a:solidFill>
+                          <a:effectLst/>
+                          <a:latin typeface="+mn-lt"/>
+                          <a:ea typeface="+mn-ea"/>
+                          <a:cs typeface="+mn-cs"/>
+                        </a:rPr>
+                        <a:t> Производит свертку элементов потока по заданной функции.</a:t>
+                      </a:r>
+                      <a:r>
+                        <a:rPr lang="ru-RU" sz="1800" b="0" i="0" kern="1200" baseline="0" dirty="0" smtClean="0">
+                          <a:solidFill>
+                            <a:schemeClr val="dk1"/>
+                          </a:solidFill>
+                          <a:effectLst/>
+                          <a:latin typeface="+mn-lt"/>
+                          <a:ea typeface="+mn-ea"/>
+                          <a:cs typeface="+mn-cs"/>
+                        </a:rPr>
+                        <a:t> </a:t>
+                      </a:r>
+                      <a:r>
+                        <a:rPr lang="ru-RU" baseline="0" dirty="0" smtClean="0"/>
+                        <a:t>Это </a:t>
+                      </a:r>
+                      <a:r>
+                        <a:rPr lang="ru-RU" baseline="0" dirty="0" smtClean="0">
+                          <a:solidFill>
+                            <a:srgbClr val="FF0000"/>
+                          </a:solidFill>
+                        </a:rPr>
+                        <a:t>оконечная </a:t>
+                      </a:r>
+                      <a:r>
+                        <a:rPr lang="ru-RU" baseline="0" dirty="0" smtClean="0"/>
+                        <a:t>операция. </a:t>
+                      </a:r>
+                      <a:endParaRPr lang="en-US" dirty="0" smtClean="0"/>
+                    </a:p>
+                  </a:txBody>
+                  <a:tcPr/>
+                </a:tc>
+              </a:tr>
+              <a:tr h="370840">
+                <a:tc>
+                  <a:txBody>
+                    <a:bodyPr/>
+                    <a:lstStyle/>
+                    <a:p>
+                      <a:r>
+                        <a:rPr lang="en-US" sz="1800" kern="1200" dirty="0" smtClean="0">
+                          <a:solidFill>
+                            <a:schemeClr val="dk1"/>
+                          </a:solidFill>
+                          <a:latin typeface="+mn-lt"/>
+                          <a:ea typeface="+mn-ea"/>
+                          <a:cs typeface="+mn-cs"/>
+                        </a:rPr>
+                        <a:t> </a:t>
+                      </a:r>
+                      <a:r>
+                        <a:rPr lang="en-US" sz="1800" b="0" kern="1200" dirty="0" smtClean="0">
+                          <a:solidFill>
+                            <a:schemeClr val="dk1"/>
+                          </a:solidFill>
+                          <a:latin typeface="+mn-lt"/>
+                          <a:ea typeface="+mn-ea"/>
+                          <a:cs typeface="+mn-cs"/>
+                        </a:rPr>
+                        <a:t>Stream&lt;T&gt; </a:t>
+                      </a:r>
+                      <a:r>
+                        <a:rPr lang="en-US" sz="1800" b="1" kern="1200" dirty="0" smtClean="0">
+                          <a:solidFill>
+                            <a:schemeClr val="dk1"/>
+                          </a:solidFill>
+                          <a:latin typeface="+mn-lt"/>
+                          <a:ea typeface="+mn-ea"/>
+                          <a:cs typeface="+mn-cs"/>
+                        </a:rPr>
+                        <a:t>limit</a:t>
+                      </a:r>
+                      <a:r>
+                        <a:rPr lang="en-US" sz="1800" b="0" kern="1200" dirty="0" smtClean="0">
+                          <a:solidFill>
+                            <a:schemeClr val="dk1"/>
+                          </a:solidFill>
+                          <a:latin typeface="+mn-lt"/>
+                          <a:ea typeface="+mn-ea"/>
+                          <a:cs typeface="+mn-cs"/>
+                        </a:rPr>
+                        <a:t>(long maxSize)</a:t>
+                      </a:r>
+                      <a:endParaRPr lang="en-US" b="0" dirty="0"/>
+                    </a:p>
+                  </a:txBody>
+                  <a:tcPr/>
+                </a:tc>
+                <a:tc>
+                  <a:txBody>
+                    <a:bodyPr/>
+                    <a:lstStyle/>
+                    <a:p>
+                      <a:r>
+                        <a:rPr lang="ru-RU" dirty="0" smtClean="0"/>
+                        <a:t>Производит новый поток данных, содержащий</a:t>
+                      </a:r>
+                      <a:r>
+                        <a:rPr lang="ru-RU" baseline="0" dirty="0" smtClean="0"/>
+                        <a:t> элементы из вызывающего потока, в количестве обозначенном параметром </a:t>
+                      </a:r>
+                      <a:r>
+                        <a:rPr lang="en-US" sz="1800" b="0" kern="1200" dirty="0" smtClean="0">
+                          <a:solidFill>
+                            <a:srgbClr val="FF0000"/>
+                          </a:solidFill>
+                          <a:latin typeface="+mn-lt"/>
+                          <a:ea typeface="+mn-ea"/>
+                          <a:cs typeface="+mn-cs"/>
+                        </a:rPr>
+                        <a:t>maxSize</a:t>
+                      </a:r>
+                      <a:r>
+                        <a:rPr lang="en-US" sz="1800" b="0" kern="1200" dirty="0" smtClean="0">
+                          <a:solidFill>
+                            <a:schemeClr val="dk1"/>
+                          </a:solidFill>
+                          <a:latin typeface="+mn-lt"/>
+                          <a:ea typeface="+mn-ea"/>
+                          <a:cs typeface="+mn-cs"/>
+                        </a:rPr>
+                        <a:t>.</a:t>
+                      </a:r>
+                      <a:endParaRPr lang="en-US" dirty="0"/>
+                    </a:p>
+                  </a:txBody>
+                  <a:tcPr/>
+                </a:tc>
+              </a:tr>
+            </a:tbl>
+          </a:graphicData>
+        </a:graphic>
+      </p:graphicFrame>
+    </p:spTree>
+    <p:extLst>
+      <p:ext uri="{BB962C8B-B14F-4D97-AF65-F5344CB8AC3E}">
+        <p14:creationId xmlns:p14="http://schemas.microsoft.com/office/powerpoint/2010/main" val="1381700914"/>
+      </p:ext>
+    </p:extLst>
+  </p:cSld>
+  <p:clrMapOvr>
+    <a:masterClrMapping/>
+  </p:clrMapOvr>
+</p:sld>
+</file>
+
+<file path=ppt/slides/slide25.xml><?xml version="1.0" encoding="utf-8"?>
+<p:sld xmlns:a="http://schemas.openxmlformats.org/drawingml/2006/main" xmlns:r="http://schemas.openxmlformats.org/officeDocument/2006/relationships" xmlns:p="http://schemas.openxmlformats.org/presentationml/2006/main">
+  <p:cSld>
+    <p:spTree>
+      <p:nvGrpSpPr>
+        <p:cNvPr id="1" name=""/>
+        <p:cNvGrpSpPr/>
+        <p:nvPr/>
+      </p:nvGrpSpPr>
+      <p:grpSpPr>
+        <a:xfrm>
+          <a:off x="0" y="0"/>
+          <a:ext cx="0" cy="0"/>
+          <a:chOff x="0" y="0"/>
+          <a:chExt cx="0" cy="0"/>
+        </a:xfrm>
+      </p:grpSpPr>
+      <p:sp>
+        <p:nvSpPr>
+          <p:cNvPr id="2" name="Title 1"/>
+          <p:cNvSpPr>
+            <a:spLocks noGrp="1"/>
+          </p:cNvSpPr>
+          <p:nvPr>
+            <p:ph type="title"/>
+          </p:nvPr>
+        </p:nvSpPr>
+        <p:spPr>
+          <a:xfrm>
+            <a:off x="838200" y="481035"/>
+            <a:ext cx="10515600" cy="1325563"/>
+          </a:xfrm>
+        </p:spPr>
+        <p:txBody>
+          <a:bodyPr/>
+          <a:lstStyle/>
+          <a:p>
+            <a:r>
+              <a:rPr lang="en-US" dirty="0" smtClean="0"/>
+              <a:t>Collectors</a:t>
+            </a:r>
+            <a:endParaRPr lang="en-US" dirty="0"/>
+          </a:p>
+        </p:txBody>
+      </p:sp>
+      <p:graphicFrame>
+        <p:nvGraphicFramePr>
+          <p:cNvPr id="4" name="Content Placeholder 3"/>
+          <p:cNvGraphicFramePr>
+            <a:graphicFrameLocks noGrp="1"/>
+          </p:cNvGraphicFramePr>
+          <p:nvPr>
+            <p:ph idx="1"/>
+            <p:extLst>
+              <p:ext uri="{D42A27DB-BD31-4B8C-83A1-F6EECF244321}">
+                <p14:modId xmlns:p14="http://schemas.microsoft.com/office/powerpoint/2010/main" val="3463785521"/>
+              </p:ext>
+            </p:extLst>
+          </p:nvPr>
+        </p:nvGraphicFramePr>
+        <p:xfrm>
+          <a:off x="2795788" y="2598358"/>
+          <a:ext cx="6039119" cy="1767840"/>
+        </p:xfrm>
+        <a:graphic>
+          <a:graphicData uri="http://schemas.openxmlformats.org/drawingml/2006/table">
+            <a:tbl>
+              <a:tblPr firstRow="1" bandRow="1">
+                <a:tableStyleId>{5C22544A-7EE6-4342-B048-85BDC9FD1C3A}</a:tableStyleId>
+              </a:tblPr>
+              <a:tblGrid>
+                <a:gridCol w="6039119"/>
+              </a:tblGrid>
+              <a:tr h="395481">
+                <a:tc>
+                  <a:txBody>
+                    <a:bodyPr/>
+                    <a:lstStyle/>
+                    <a:p>
+                      <a:r>
+                        <a:rPr lang="ru-RU" sz="2000" dirty="0" smtClean="0"/>
+                        <a:t>Метод</a:t>
+                      </a:r>
+                      <a:endParaRPr lang="en-US" sz="2000" dirty="0"/>
+                    </a:p>
+                  </a:txBody>
+                  <a:tcPr/>
+                </a:tc>
+              </a:tr>
+              <a:tr h="395481">
+                <a:tc>
+                  <a:txBody>
+                    <a:bodyPr/>
+                    <a:lstStyle/>
+                    <a:p>
+                      <a:r>
+                        <a:rPr lang="en-US" sz="2400" kern="1200" dirty="0" smtClean="0">
+                          <a:solidFill>
+                            <a:schemeClr val="dk1"/>
+                          </a:solidFill>
+                          <a:latin typeface="+mn-lt"/>
+                          <a:ea typeface="+mn-ea"/>
+                          <a:cs typeface="+mn-cs"/>
+                        </a:rPr>
+                        <a:t>Collectors.toList()</a:t>
+                      </a:r>
+                      <a:endParaRPr lang="en-US" sz="2400" dirty="0"/>
+                    </a:p>
+                  </a:txBody>
+                  <a:tcPr/>
+                </a:tc>
+              </a:tr>
+              <a:tr h="395481">
+                <a:tc>
+                  <a:txBody>
+                    <a:bodyPr/>
+                    <a:lstStyle/>
+                    <a:p>
+                      <a:r>
+                        <a:rPr lang="en-US" sz="2400" u="none" kern="1200" dirty="0" smtClean="0">
+                          <a:solidFill>
+                            <a:schemeClr val="dk1"/>
+                          </a:solidFill>
+                          <a:latin typeface="+mn-lt"/>
+                          <a:ea typeface="+mn-ea"/>
+                          <a:cs typeface="+mn-cs"/>
+                        </a:rPr>
+                        <a:t>Collectors.toMap(keyMapper, valueMapper)</a:t>
+                      </a:r>
+                      <a:endParaRPr lang="en-US" sz="2400" u="none" dirty="0"/>
+                    </a:p>
+                  </a:txBody>
+                  <a:tcPr/>
+                </a:tc>
+              </a:tr>
+              <a:tr h="395481">
+                <a:tc>
+                  <a:txBody>
+                    <a:bodyPr/>
+                    <a:lstStyle/>
+                    <a:p>
+                      <a:r>
+                        <a:rPr lang="en-US" sz="2400" kern="1200" dirty="0" smtClean="0">
+                          <a:solidFill>
+                            <a:schemeClr val="dk1"/>
+                          </a:solidFill>
+                          <a:latin typeface="+mn-lt"/>
+                          <a:ea typeface="+mn-ea"/>
+                          <a:cs typeface="+mn-cs"/>
+                        </a:rPr>
+                        <a:t>Collectors.toSet()</a:t>
+                      </a:r>
+                      <a:endParaRPr lang="en-US" sz="2400" dirty="0"/>
+                    </a:p>
+                  </a:txBody>
+                  <a:tcPr/>
+                </a:tc>
+              </a:tr>
+            </a:tbl>
+          </a:graphicData>
+        </a:graphic>
+      </p:graphicFrame>
+      <p:sp>
+        <p:nvSpPr>
+          <p:cNvPr id="5" name="Rectangle 4"/>
+          <p:cNvSpPr/>
+          <p:nvPr/>
+        </p:nvSpPr>
+        <p:spPr>
+          <a:xfrm>
+            <a:off x="1618445" y="1744413"/>
+            <a:ext cx="8955110" cy="400110"/>
+          </a:xfrm>
+          <a:prstGeom prst="rect">
+            <a:avLst/>
+          </a:prstGeom>
+        </p:spPr>
+        <p:txBody>
+          <a:bodyPr wrap="square">
+            <a:spAutoFit/>
+          </a:bodyPr>
+          <a:lstStyle/>
+          <a:p>
+            <a:r>
+              <a:rPr lang="en-US" sz="2000" dirty="0">
+                <a:solidFill>
+                  <a:srgbClr val="000000"/>
+                </a:solidFill>
+                <a:highlight>
+                  <a:srgbClr val="E8F2FE"/>
+                </a:highlight>
+                <a:latin typeface="Courier New" panose="02070309020205020404" pitchFamily="49" charset="0"/>
+              </a:rPr>
+              <a:t>&lt;R, A&gt; R </a:t>
+            </a:r>
+            <a:r>
+              <a:rPr lang="en-US" sz="2000" dirty="0">
+                <a:solidFill>
+                  <a:srgbClr val="000000"/>
+                </a:solidFill>
+                <a:highlight>
+                  <a:srgbClr val="D4D4D4"/>
+                </a:highlight>
+                <a:latin typeface="Courier New" panose="02070309020205020404" pitchFamily="49" charset="0"/>
+              </a:rPr>
+              <a:t>collect</a:t>
+            </a:r>
+            <a:r>
+              <a:rPr lang="en-US" sz="2000" dirty="0">
+                <a:solidFill>
+                  <a:srgbClr val="000000"/>
+                </a:solidFill>
+                <a:highlight>
+                  <a:srgbClr val="E8F2FE"/>
+                </a:highlight>
+                <a:latin typeface="Courier New" panose="02070309020205020404" pitchFamily="49" charset="0"/>
+              </a:rPr>
+              <a:t>(Collector&lt;? </a:t>
+            </a:r>
+            <a:r>
+              <a:rPr lang="en-US" sz="2000" b="1" dirty="0">
+                <a:solidFill>
+                  <a:srgbClr val="7F0055"/>
+                </a:solidFill>
+                <a:highlight>
+                  <a:srgbClr val="E8F2FE"/>
+                </a:highlight>
+                <a:latin typeface="Courier New" panose="02070309020205020404" pitchFamily="49" charset="0"/>
+              </a:rPr>
+              <a:t>super</a:t>
+            </a:r>
+            <a:r>
+              <a:rPr lang="en-US" sz="2000" b="1" dirty="0">
+                <a:solidFill>
+                  <a:srgbClr val="000000"/>
+                </a:solidFill>
+                <a:highlight>
+                  <a:srgbClr val="E8F2FE"/>
+                </a:highlight>
+                <a:latin typeface="Courier New" panose="02070309020205020404" pitchFamily="49" charset="0"/>
+              </a:rPr>
+              <a:t> T, A, R&gt; </a:t>
+            </a:r>
+            <a:r>
+              <a:rPr lang="en-US" sz="2000" b="1" dirty="0">
+                <a:solidFill>
+                  <a:srgbClr val="6A3E3E"/>
+                </a:solidFill>
+                <a:highlight>
+                  <a:srgbClr val="E8F2FE"/>
+                </a:highlight>
+                <a:latin typeface="Courier New" panose="02070309020205020404" pitchFamily="49" charset="0"/>
+              </a:rPr>
+              <a:t>collector</a:t>
+            </a:r>
+            <a:r>
+              <a:rPr lang="en-US" sz="2000" b="1" dirty="0">
+                <a:solidFill>
+                  <a:srgbClr val="000000"/>
+                </a:solidFill>
+                <a:highlight>
+                  <a:srgbClr val="E8F2FE"/>
+                </a:highlight>
+                <a:latin typeface="Courier New" panose="02070309020205020404" pitchFamily="49" charset="0"/>
+              </a:rPr>
+              <a:t>);</a:t>
+            </a:r>
+            <a:endParaRPr lang="en-US" sz="2000" dirty="0"/>
+          </a:p>
+        </p:txBody>
+      </p:sp>
+    </p:spTree>
+    <p:extLst>
+      <p:ext uri="{BB962C8B-B14F-4D97-AF65-F5344CB8AC3E}">
+        <p14:creationId xmlns:p14="http://schemas.microsoft.com/office/powerpoint/2010/main" val="3741316332"/>
+      </p:ext>
+    </p:extLst>
+  </p:cSld>
+  <p:clrMapOvr>
+    <a:masterClrMapping/>
+  </p:clrMapOvr>
+</p:sld>
+</file>
+
+<file path=ppt/slides/slide26.xml><?xml version="1.0" encoding="utf-8"?>
+<p:sld xmlns:a="http://schemas.openxmlformats.org/drawingml/2006/main" xmlns:r="http://schemas.openxmlformats.org/officeDocument/2006/relationships" xmlns:p="http://schemas.openxmlformats.org/presentationml/2006/main">
+  <p:cSld>
+    <p:spTree>
+      <p:nvGrpSpPr>
+        <p:cNvPr id="1" name=""/>
+        <p:cNvGrpSpPr/>
+        <p:nvPr/>
+      </p:nvGrpSpPr>
+      <p:grpSpPr>
+        <a:xfrm>
+          <a:off x="0" y="0"/>
+          <a:ext cx="0" cy="0"/>
+          <a:chOff x="0" y="0"/>
+          <a:chExt cx="0" cy="0"/>
+        </a:xfrm>
+      </p:grpSpPr>
+      <p:sp>
+        <p:nvSpPr>
+          <p:cNvPr id="3" name="Content Placeholder 2"/>
+          <p:cNvSpPr>
+            <a:spLocks noGrp="1"/>
+          </p:cNvSpPr>
+          <p:nvPr>
+            <p:ph idx="1"/>
+          </p:nvPr>
+        </p:nvSpPr>
+        <p:spPr>
+          <a:xfrm>
+            <a:off x="838200" y="425003"/>
+            <a:ext cx="10515600" cy="5751960"/>
+          </a:xfrm>
+        </p:spPr>
+        <p:txBody>
+          <a:bodyPr/>
+          <a:lstStyle/>
+          <a:p>
+            <a:pPr marL="0" indent="0">
+              <a:buNone/>
+            </a:pPr>
+            <a:endParaRPr lang="ru-RU" dirty="0" smtClean="0"/>
+          </a:p>
+          <a:p>
+            <a:pPr marL="0" indent="0">
+              <a:buNone/>
+            </a:pPr>
+            <a:endParaRPr lang="ru-RU" dirty="0"/>
+          </a:p>
+          <a:p>
+            <a:pPr marL="0" indent="0">
+              <a:buNone/>
+            </a:pPr>
+            <a:endParaRPr lang="ru-RU" dirty="0" smtClean="0"/>
+          </a:p>
+          <a:p>
+            <a:pPr marL="0" indent="0">
+              <a:buNone/>
+            </a:pPr>
+            <a:endParaRPr lang="ru-RU" dirty="0"/>
+          </a:p>
+          <a:p>
+            <a:pPr marL="0" indent="0" algn="ctr">
+              <a:buNone/>
+            </a:pPr>
+            <a:r>
+              <a:rPr lang="en-US" sz="3600" dirty="0" smtClean="0"/>
+              <a:t>Thank You, Herbert </a:t>
+            </a:r>
+            <a:r>
+              <a:rPr lang="en-US" sz="3600" smtClean="0"/>
+              <a:t>Schildt</a:t>
+            </a:r>
+            <a:r>
+              <a:rPr lang="en-US" sz="3600" smtClean="0"/>
+              <a:t>!</a:t>
+            </a:r>
+            <a:endParaRPr lang="en-US" sz="3600" dirty="0"/>
+          </a:p>
+        </p:txBody>
+      </p:sp>
+    </p:spTree>
+    <p:extLst>
+      <p:ext uri="{BB962C8B-B14F-4D97-AF65-F5344CB8AC3E}">
+        <p14:creationId xmlns:p14="http://schemas.microsoft.com/office/powerpoint/2010/main" val="1856001392"/>
       </p:ext>
     </p:extLst>
   </p:cSld>
@@ -5524,7 +8263,9 @@
         </p:nvSpPr>
         <p:spPr/>
         <p:txBody>
-          <a:bodyPr/>
+          <a:bodyPr>
+            <a:normAutofit lnSpcReduction="10000"/>
+          </a:bodyPr>
           <a:lstStyle/>
           <a:p>
             <a:pPr marL="0" indent="0">
@@ -5563,13 +8304,60 @@
             </a:pPr>
             <a:r>
               <a:rPr lang="ru-RU" dirty="0" smtClean="0"/>
-              <a:t>Функциональный интерфейс представляет единое действие.</a:t>
-            </a:r>
-          </a:p>
-          <a:p>
-            <a:pPr marL="0" indent="0">
-              <a:buNone/>
-            </a:pPr>
+              <a:t>Функциональный интерфейс представляет единое действие</a:t>
+            </a:r>
+            <a:r>
+              <a:rPr lang="ru-RU" dirty="0" smtClean="0"/>
+              <a:t>.</a:t>
+            </a:r>
+          </a:p>
+          <a:p>
+            <a:pPr marL="0" indent="0">
+              <a:buNone/>
+            </a:pPr>
+            <a:endParaRPr lang="ru-RU" dirty="0" smtClean="0"/>
+          </a:p>
+          <a:p>
+            <a:pPr marL="0" indent="0">
+              <a:buNone/>
+            </a:pPr>
+            <a:r>
+              <a:rPr lang="en-US" dirty="0">
+                <a:solidFill>
+                  <a:schemeClr val="accent1">
+                    <a:lumMod val="75000"/>
+                  </a:schemeClr>
+                </a:solidFill>
+              </a:rPr>
+              <a:t>@</a:t>
+            </a:r>
+            <a:r>
+              <a:rPr lang="en-US" dirty="0" smtClean="0">
+                <a:solidFill>
+                  <a:schemeClr val="accent1">
+                    <a:lumMod val="75000"/>
+                  </a:schemeClr>
+                </a:solidFill>
+              </a:rPr>
+              <a:t>FunctionalInterface </a:t>
+            </a:r>
+            <a:r>
+              <a:rPr lang="en-US" dirty="0" smtClean="0"/>
+              <a:t>– </a:t>
+            </a:r>
+            <a:r>
+              <a:rPr lang="ru-RU" dirty="0" smtClean="0"/>
+              <a:t>аннотация, которая говорит о том, что интерфейс является функциональным.</a:t>
+            </a:r>
+          </a:p>
+          <a:p>
+            <a:pPr marL="0" indent="0">
+              <a:buNone/>
+            </a:pPr>
+            <a:r>
+              <a:rPr lang="en-US" dirty="0" smtClean="0"/>
+              <a:t> </a:t>
+            </a:r>
             <a:endParaRPr lang="ru-RU" dirty="0"/>
           </a:p>
           <a:p>
@@ -5735,7 +8523,7 @@
             </a:pPr>
             <a:r>
               <a:rPr lang="ru-RU" dirty="0" smtClean="0"/>
-              <a:t>любые параметры, требующиеся в </a:t>
+              <a:t>параметры, требующиеся в </a:t>
             </a:r>
             <a:r>
               <a:rPr lang="en-US" dirty="0" smtClean="0"/>
@@ -5745,6 +8533,11 @@
               <a:rPr lang="ru-RU" dirty="0" smtClean="0"/>
               <a:t>-выражении</a:t>
             </a:r>
+            <a:r>
+              <a:rPr lang="en-US" dirty="0" smtClean="0"/>
+              <a:t>;</a:t>
+            </a:r>
+            <a:endParaRPr lang="ru-RU" dirty="0" smtClean="0"/>
           </a:p>
           <a:p>
             <a:pPr marL="514350" indent="-514350">
@@ -5775,6 +8568,10 @@
             <a:r>
               <a:rPr lang="ru-RU" dirty="0" smtClean="0"/>
               <a:t>выражением</a:t>
+            </a:r>
+            <a:r>
+              <a:rPr lang="en-US" dirty="0" smtClean="0"/>
+              <a:t>.</a:t>
             </a:r>
             <a:endParaRPr lang="en-US" dirty="0"/>
           </a:p>
@@ -6057,7 +8854,7 @@
           <a:p>
             <a:r>
               <a:rPr lang="ru-RU" dirty="0" smtClean="0"/>
-              <a:t>по типу возвращаемого параметра</a:t>
+              <a:t>по типу возвращаемого значения</a:t>
             </a:r>
             <a:r>
               <a:rPr lang="en-US" dirty="0" smtClean="0"/>
@@ -6198,8 +8995,19 @@
             </a:pPr>
             <a:r>
               <a:rPr lang="en-US" dirty="0" smtClean="0"/>
-              <a:t>a -&gt; a &gt;=0;</a:t>
-            </a:r>
+              <a:t>a -&gt; a &gt;=0</a:t>
+            </a:r>
+            <a:r>
+              <a:rPr lang="en-US" dirty="0" smtClean="0"/>
+              <a:t>;</a:t>
+            </a:r>
+            <a:endParaRPr lang="ru-RU" dirty="0" smtClean="0"/>
+          </a:p>
+          <a:p>
+            <a:pPr marL="0" indent="0">
+              <a:buNone/>
+            </a:pPr>
+            <a:endParaRPr lang="en-US" dirty="0" smtClean="0"/>
           </a:p>
           <a:p>
             <a:pPr marL="0" indent="0">
@@ -6207,8 +9015,17 @@
             </a:pPr>
             <a:r>
               <a:rPr lang="ru-RU" dirty="0" smtClean="0"/>
-              <a:t>эквивалентно следующей записи:</a:t>
-            </a:r>
+              <a:t>эквивалентно следующей записи</a:t>
+            </a:r>
+            <a:r>
+              <a:rPr lang="ru-RU" dirty="0" smtClean="0"/>
+              <a:t>:</a:t>
+            </a:r>
+          </a:p>
+          <a:p>
+            <a:pPr marL="0" indent="0">
+              <a:buNone/>
+            </a:pPr>
             <a:endParaRPr lang="en-US" dirty="0" smtClean="0"/>
           </a:p>
           <a:p>
